--- a/Troy Tech - Presentation/TROY- Hasan OZKARA_yeni.pptx
+++ b/Troy Tech - Presentation/TROY- Hasan OZKARA_yeni.pptx
@@ -10230,6 +10230,31 @@
             </a:r>
           </a:p>
           <a:p>
+            <a:r>
+              <a:rPr lang="en-GB" dirty="0"/>
+              <a:t>Overall System Components</a:t>
+            </a:r>
+          </a:p>
+          <a:p>
+            <a:r>
+              <a:rPr lang="en-GB" dirty="0"/>
+              <a:t>Video and Command Transmission</a:t>
+            </a:r>
+          </a:p>
+          <a:p>
+            <a:r>
+              <a:rPr lang="en-GB" dirty="0"/>
+              <a:t>Motor Drive and Shooting Systems</a:t>
+            </a:r>
+          </a:p>
+          <a:p>
+            <a:r>
+              <a:rPr lang="en-GB"/>
+              <a:t>Conclusion</a:t>
+            </a:r>
+            <a:endParaRPr lang="en-GB" dirty="0"/>
+          </a:p>
+          <a:p>
             <a:pPr marL="0" indent="0">
               <a:buNone/>
             </a:pPr>

--- a/Troy Tech - Presentation/TROY- Hasan OZKARA_yeni.pptx
+++ b/Troy Tech - Presentation/TROY- Hasan OZKARA_yeni.pptx
@@ -973,7 +973,7 @@
         <a:lstStyle/>
         <a:p>
           <a:r>
-            <a:rPr lang="tr-TR"/>
+            <a:rPr lang="tr-TR" b="1" dirty="0"/>
             <a:t>TROY TECH</a:t>
           </a:r>
         </a:p>
@@ -2107,7 +2107,7 @@
             <a:buNone/>
           </a:pPr>
           <a:r>
-            <a:rPr lang="tr-TR" sz="1700" kern="1200"/>
+            <a:rPr lang="tr-TR" sz="1700" b="1" kern="1200" dirty="0"/>
             <a:t>TROY TECH</a:t>
           </a:r>
         </a:p>
@@ -8720,7 +8720,7 @@
         <p:spPr/>
         <p:txBody>
           <a:bodyPr>
-            <a:normAutofit fontScale="92500" lnSpcReduction="20000"/>
+            <a:normAutofit/>
           </a:bodyPr>
           <a:lstStyle/>
           <a:p>
@@ -8950,24 +8950,9 @@
               </a:rPr>
               <a:t>center-line</a:t>
             </a:r>
-            <a:endParaRPr lang="tr-TR" dirty="0">
-              <a:solidFill>
-                <a:schemeClr val="dk1"/>
-              </a:solidFill>
-              <a:effectLst>
-                <a:outerShdw blurRad="38100" dist="38100" dir="2700000" algn="tl">
-                  <a:srgbClr val="000000">
-                    <a:alpha val="43137"/>
-                  </a:srgbClr>
-                </a:outerShdw>
-              </a:effectLst>
-              <a:ea typeface="Calibri"/>
-              <a:cs typeface="Calibri"/>
-              <a:sym typeface="Calibri"/>
-            </a:endParaRPr>
-          </a:p>
-          <a:p>
-            <a:pPr marL="457200" lvl="0" indent="-457200">
+          </a:p>
+          <a:p>
+            <a:pPr marL="457200" indent="-457200">
               <a:lnSpc>
                 <a:spcPct val="150000"/>
               </a:lnSpc>
@@ -8982,7 +8967,7 @@
               <a:buChar char="•"/>
             </a:pPr>
             <a:r>
-              <a:rPr lang="tr-TR" dirty="0">
+              <a:rPr lang="en-US" dirty="0">
                 <a:solidFill>
                   <a:schemeClr val="dk1"/>
                 </a:solidFill>
@@ -8997,25 +8982,7 @@
                 <a:cs typeface="Calibri"/>
                 <a:sym typeface="Calibri"/>
               </a:rPr>
-              <a:t>No </a:t>
-            </a:r>
-            <a:r>
-              <a:rPr lang="tr-TR" dirty="0" err="1">
-                <a:solidFill>
-                  <a:schemeClr val="dk1"/>
-                </a:solidFill>
-                <a:effectLst>
-                  <a:outerShdw blurRad="38100" dist="38100" dir="2700000" algn="tl">
-                    <a:srgbClr val="000000">
-                      <a:alpha val="43137"/>
-                    </a:srgbClr>
-                  </a:outerShdw>
-                </a:effectLst>
-                <a:ea typeface="Calibri"/>
-                <a:cs typeface="Calibri"/>
-                <a:sym typeface="Calibri"/>
-              </a:rPr>
-              <a:t>touching</a:t>
+              <a:t>Ball transfer to opponent’s field in 20 seconds</a:t>
             </a:r>
             <a:r>
               <a:rPr lang="tr-TR" dirty="0">
@@ -9035,197 +9002,6 @@
               </a:rPr>
               <a:t> </a:t>
             </a:r>
-            <a:r>
-              <a:rPr lang="tr-TR" dirty="0" err="1">
-                <a:solidFill>
-                  <a:schemeClr val="dk1"/>
-                </a:solidFill>
-                <a:effectLst>
-                  <a:outerShdw blurRad="38100" dist="38100" dir="2700000" algn="tl">
-                    <a:srgbClr val="000000">
-                      <a:alpha val="43137"/>
-                    </a:srgbClr>
-                  </a:outerShdw>
-                </a:effectLst>
-                <a:ea typeface="Calibri"/>
-                <a:cs typeface="Calibri"/>
-                <a:sym typeface="Calibri"/>
-              </a:rPr>
-              <a:t>to</a:t>
-            </a:r>
-            <a:r>
-              <a:rPr lang="tr-TR" dirty="0">
-                <a:solidFill>
-                  <a:schemeClr val="dk1"/>
-                </a:solidFill>
-                <a:effectLst>
-                  <a:outerShdw blurRad="38100" dist="38100" dir="2700000" algn="tl">
-                    <a:srgbClr val="000000">
-                      <a:alpha val="43137"/>
-                    </a:srgbClr>
-                  </a:outerShdw>
-                </a:effectLst>
-                <a:ea typeface="Calibri"/>
-                <a:cs typeface="Calibri"/>
-                <a:sym typeface="Calibri"/>
-              </a:rPr>
-              <a:t> </a:t>
-            </a:r>
-            <a:r>
-              <a:rPr lang="tr-TR" dirty="0" err="1">
-                <a:solidFill>
-                  <a:schemeClr val="dk1"/>
-                </a:solidFill>
-                <a:effectLst>
-                  <a:outerShdw blurRad="38100" dist="38100" dir="2700000" algn="tl">
-                    <a:srgbClr val="000000">
-                      <a:alpha val="43137"/>
-                    </a:srgbClr>
-                  </a:outerShdw>
-                </a:effectLst>
-                <a:ea typeface="Calibri"/>
-                <a:cs typeface="Calibri"/>
-                <a:sym typeface="Calibri"/>
-              </a:rPr>
-              <a:t>the</a:t>
-            </a:r>
-            <a:r>
-              <a:rPr lang="tr-TR" dirty="0">
-                <a:solidFill>
-                  <a:schemeClr val="dk1"/>
-                </a:solidFill>
-                <a:effectLst>
-                  <a:outerShdw blurRad="38100" dist="38100" dir="2700000" algn="tl">
-                    <a:srgbClr val="000000">
-                      <a:alpha val="43137"/>
-                    </a:srgbClr>
-                  </a:outerShdw>
-                </a:effectLst>
-                <a:ea typeface="Calibri"/>
-                <a:cs typeface="Calibri"/>
-                <a:sym typeface="Calibri"/>
-              </a:rPr>
-              <a:t> </a:t>
-            </a:r>
-            <a:r>
-              <a:rPr lang="en-US" dirty="0">
-                <a:solidFill>
-                  <a:schemeClr val="dk1"/>
-                </a:solidFill>
-                <a:effectLst>
-                  <a:outerShdw blurRad="38100" dist="38100" dir="2700000" algn="tl">
-                    <a:srgbClr val="000000">
-                      <a:alpha val="43137"/>
-                    </a:srgbClr>
-                  </a:outerShdw>
-                </a:effectLst>
-                <a:ea typeface="Calibri"/>
-                <a:cs typeface="Calibri"/>
-                <a:sym typeface="Calibri"/>
-              </a:rPr>
-              <a:t>opponent</a:t>
-            </a:r>
-          </a:p>
-          <a:p>
-            <a:pPr marL="457200" indent="-457200">
-              <a:lnSpc>
-                <a:spcPct val="150000"/>
-              </a:lnSpc>
-              <a:spcBef>
-                <a:spcPts val="0"/>
-              </a:spcBef>
-              <a:buClr>
-                <a:schemeClr val="dk1"/>
-              </a:buClr>
-              <a:buSzPts val="2670"/>
-              <a:buFont typeface="Arial"/>
-              <a:buChar char="•"/>
-            </a:pPr>
-            <a:r>
-              <a:rPr lang="en-US" dirty="0">
-                <a:solidFill>
-                  <a:schemeClr val="dk1"/>
-                </a:solidFill>
-                <a:effectLst>
-                  <a:outerShdw blurRad="38100" dist="38100" dir="2700000" algn="tl">
-                    <a:srgbClr val="000000">
-                      <a:alpha val="43137"/>
-                    </a:srgbClr>
-                  </a:outerShdw>
-                </a:effectLst>
-                <a:ea typeface="Calibri"/>
-                <a:cs typeface="Calibri"/>
-                <a:sym typeface="Calibri"/>
-              </a:rPr>
-              <a:t>Ball transfer to opponent’s field in 20 seconds</a:t>
-            </a:r>
-            <a:r>
-              <a:rPr lang="tr-TR" dirty="0">
-                <a:solidFill>
-                  <a:schemeClr val="dk1"/>
-                </a:solidFill>
-                <a:effectLst>
-                  <a:outerShdw blurRad="38100" dist="38100" dir="2700000" algn="tl">
-                    <a:srgbClr val="000000">
-                      <a:alpha val="43137"/>
-                    </a:srgbClr>
-                  </a:outerShdw>
-                </a:effectLst>
-                <a:ea typeface="Calibri"/>
-                <a:cs typeface="Calibri"/>
-                <a:sym typeface="Calibri"/>
-              </a:rPr>
-              <a:t> </a:t>
-            </a:r>
-          </a:p>
-          <a:p>
-            <a:pPr marL="457200" lvl="0" indent="-457200">
-              <a:lnSpc>
-                <a:spcPct val="150000"/>
-              </a:lnSpc>
-              <a:spcBef>
-                <a:spcPts val="0"/>
-              </a:spcBef>
-              <a:buClr>
-                <a:schemeClr val="dk1"/>
-              </a:buClr>
-              <a:buSzPts val="2670"/>
-              <a:buFont typeface="Arial"/>
-              <a:buChar char="•"/>
-            </a:pPr>
-            <a:r>
-              <a:rPr lang="en-US" dirty="0">
-                <a:solidFill>
-                  <a:schemeClr val="dk1"/>
-                </a:solidFill>
-                <a:effectLst>
-                  <a:outerShdw blurRad="38100" dist="38100" dir="2700000" algn="tl">
-                    <a:srgbClr val="000000">
-                      <a:alpha val="43137"/>
-                    </a:srgbClr>
-                  </a:outerShdw>
-                </a:effectLst>
-                <a:ea typeface="Calibri"/>
-                <a:cs typeface="Calibri"/>
-                <a:sym typeface="Calibri"/>
-              </a:rPr>
-              <a:t>Only hitting or pushing the ball</a:t>
-            </a:r>
-            <a:endParaRPr lang="tr-TR" dirty="0">
-              <a:solidFill>
-                <a:schemeClr val="dk1"/>
-              </a:solidFill>
-              <a:effectLst>
-                <a:outerShdw blurRad="38100" dist="38100" dir="2700000" algn="tl">
-                  <a:srgbClr val="000000">
-                    <a:alpha val="43137"/>
-                  </a:srgbClr>
-                </a:outerShdw>
-              </a:effectLst>
-              <a:ea typeface="Calibri"/>
-              <a:cs typeface="Calibri"/>
-              <a:sym typeface="Calibri"/>
-            </a:endParaRPr>
           </a:p>
           <a:p>
             <a:pPr marL="457200" lvl="0" indent="-457200">
@@ -9572,6 +9348,366 @@
   <p:clrMapOvr>
     <a:masterClrMapping/>
   </p:clrMapOvr>
+  <p:timing>
+    <p:tnLst>
+      <p:par>
+        <p:cTn id="1" dur="indefinite" restart="never" nodeType="tmRoot">
+          <p:childTnLst>
+            <p:seq concurrent="1" nextAc="seek">
+              <p:cTn id="2" dur="indefinite" nodeType="mainSeq">
+                <p:childTnLst>
+                  <p:par>
+                    <p:cTn id="3" fill="hold">
+                      <p:stCondLst>
+                        <p:cond delay="indefinite"/>
+                      </p:stCondLst>
+                      <p:childTnLst>
+                        <p:par>
+                          <p:cTn id="4" fill="hold">
+                            <p:stCondLst>
+                              <p:cond delay="0"/>
+                            </p:stCondLst>
+                            <p:childTnLst>
+                              <p:par>
+                                <p:cTn id="5" presetID="22" presetClass="entr" presetSubtype="4" fill="hold" nodeType="clickEffect">
+                                  <p:stCondLst>
+                                    <p:cond delay="0"/>
+                                  </p:stCondLst>
+                                  <p:childTnLst>
+                                    <p:set>
+                                      <p:cBhvr>
+                                        <p:cTn id="6" dur="1" fill="hold">
+                                          <p:stCondLst>
+                                            <p:cond delay="0"/>
+                                          </p:stCondLst>
+                                        </p:cTn>
+                                        <p:tgtEl>
+                                          <p:spTgt spid="3">
+                                            <p:txEl>
+                                              <p:pRg st="0" end="0"/>
+                                            </p:txEl>
+                                          </p:spTgt>
+                                        </p:tgtEl>
+                                        <p:attrNameLst>
+                                          <p:attrName>style.visibility</p:attrName>
+                                        </p:attrNameLst>
+                                      </p:cBhvr>
+                                      <p:to>
+                                        <p:strVal val="visible"/>
+                                      </p:to>
+                                    </p:set>
+                                    <p:animEffect transition="in" filter="wipe(down)">
+                                      <p:cBhvr>
+                                        <p:cTn id="7" dur="500"/>
+                                        <p:tgtEl>
+                                          <p:spTgt spid="3">
+                                            <p:txEl>
+                                              <p:pRg st="0" end="0"/>
+                                            </p:txEl>
+                                          </p:spTgt>
+                                        </p:tgtEl>
+                                      </p:cBhvr>
+                                    </p:animEffect>
+                                  </p:childTnLst>
+                                </p:cTn>
+                              </p:par>
+                              <p:par>
+                                <p:cTn id="8" presetID="22" presetClass="entr" presetSubtype="4" fill="hold" nodeType="withEffect">
+                                  <p:stCondLst>
+                                    <p:cond delay="0"/>
+                                  </p:stCondLst>
+                                  <p:childTnLst>
+                                    <p:set>
+                                      <p:cBhvr>
+                                        <p:cTn id="9" dur="1" fill="hold">
+                                          <p:stCondLst>
+                                            <p:cond delay="0"/>
+                                          </p:stCondLst>
+                                        </p:cTn>
+                                        <p:tgtEl>
+                                          <p:spTgt spid="3">
+                                            <p:txEl>
+                                              <p:pRg st="1" end="1"/>
+                                            </p:txEl>
+                                          </p:spTgt>
+                                        </p:tgtEl>
+                                        <p:attrNameLst>
+                                          <p:attrName>style.visibility</p:attrName>
+                                        </p:attrNameLst>
+                                      </p:cBhvr>
+                                      <p:to>
+                                        <p:strVal val="visible"/>
+                                      </p:to>
+                                    </p:set>
+                                    <p:animEffect transition="in" filter="wipe(down)">
+                                      <p:cBhvr>
+                                        <p:cTn id="10" dur="500"/>
+                                        <p:tgtEl>
+                                          <p:spTgt spid="3">
+                                            <p:txEl>
+                                              <p:pRg st="1" end="1"/>
+                                            </p:txEl>
+                                          </p:spTgt>
+                                        </p:tgtEl>
+                                      </p:cBhvr>
+                                    </p:animEffect>
+                                  </p:childTnLst>
+                                </p:cTn>
+                              </p:par>
+                            </p:childTnLst>
+                          </p:cTn>
+                        </p:par>
+                      </p:childTnLst>
+                    </p:cTn>
+                  </p:par>
+                  <p:par>
+                    <p:cTn id="11" fill="hold">
+                      <p:stCondLst>
+                        <p:cond delay="indefinite"/>
+                      </p:stCondLst>
+                      <p:childTnLst>
+                        <p:par>
+                          <p:cTn id="12" fill="hold">
+                            <p:stCondLst>
+                              <p:cond delay="0"/>
+                            </p:stCondLst>
+                            <p:childTnLst>
+                              <p:par>
+                                <p:cTn id="13" presetID="22" presetClass="entr" presetSubtype="4" fill="hold" nodeType="clickEffect">
+                                  <p:stCondLst>
+                                    <p:cond delay="0"/>
+                                  </p:stCondLst>
+                                  <p:childTnLst>
+                                    <p:set>
+                                      <p:cBhvr>
+                                        <p:cTn id="14" dur="1" fill="hold">
+                                          <p:stCondLst>
+                                            <p:cond delay="0"/>
+                                          </p:stCondLst>
+                                        </p:cTn>
+                                        <p:tgtEl>
+                                          <p:spTgt spid="3">
+                                            <p:txEl>
+                                              <p:pRg st="2" end="2"/>
+                                            </p:txEl>
+                                          </p:spTgt>
+                                        </p:tgtEl>
+                                        <p:attrNameLst>
+                                          <p:attrName>style.visibility</p:attrName>
+                                        </p:attrNameLst>
+                                      </p:cBhvr>
+                                      <p:to>
+                                        <p:strVal val="visible"/>
+                                      </p:to>
+                                    </p:set>
+                                    <p:animEffect transition="in" filter="wipe(down)">
+                                      <p:cBhvr>
+                                        <p:cTn id="15" dur="500"/>
+                                        <p:tgtEl>
+                                          <p:spTgt spid="3">
+                                            <p:txEl>
+                                              <p:pRg st="2" end="2"/>
+                                            </p:txEl>
+                                          </p:spTgt>
+                                        </p:tgtEl>
+                                      </p:cBhvr>
+                                    </p:animEffect>
+                                  </p:childTnLst>
+                                </p:cTn>
+                              </p:par>
+                              <p:par>
+                                <p:cTn id="16" presetID="22" presetClass="entr" presetSubtype="4" fill="hold" nodeType="withEffect">
+                                  <p:stCondLst>
+                                    <p:cond delay="0"/>
+                                  </p:stCondLst>
+                                  <p:childTnLst>
+                                    <p:set>
+                                      <p:cBhvr>
+                                        <p:cTn id="17" dur="1" fill="hold">
+                                          <p:stCondLst>
+                                            <p:cond delay="0"/>
+                                          </p:stCondLst>
+                                        </p:cTn>
+                                        <p:tgtEl>
+                                          <p:spTgt spid="3">
+                                            <p:txEl>
+                                              <p:pRg st="3" end="3"/>
+                                            </p:txEl>
+                                          </p:spTgt>
+                                        </p:tgtEl>
+                                        <p:attrNameLst>
+                                          <p:attrName>style.visibility</p:attrName>
+                                        </p:attrNameLst>
+                                      </p:cBhvr>
+                                      <p:to>
+                                        <p:strVal val="visible"/>
+                                      </p:to>
+                                    </p:set>
+                                    <p:animEffect transition="in" filter="wipe(down)">
+                                      <p:cBhvr>
+                                        <p:cTn id="18" dur="500"/>
+                                        <p:tgtEl>
+                                          <p:spTgt spid="3">
+                                            <p:txEl>
+                                              <p:pRg st="3" end="3"/>
+                                            </p:txEl>
+                                          </p:spTgt>
+                                        </p:tgtEl>
+                                      </p:cBhvr>
+                                    </p:animEffect>
+                                  </p:childTnLst>
+                                </p:cTn>
+                              </p:par>
+                            </p:childTnLst>
+                          </p:cTn>
+                        </p:par>
+                      </p:childTnLst>
+                    </p:cTn>
+                  </p:par>
+                  <p:par>
+                    <p:cTn id="19" fill="hold">
+                      <p:stCondLst>
+                        <p:cond delay="indefinite"/>
+                      </p:stCondLst>
+                      <p:childTnLst>
+                        <p:par>
+                          <p:cTn id="20" fill="hold">
+                            <p:stCondLst>
+                              <p:cond delay="0"/>
+                            </p:stCondLst>
+                            <p:childTnLst>
+                              <p:par>
+                                <p:cTn id="21" presetID="22" presetClass="entr" presetSubtype="4" fill="hold" nodeType="clickEffect">
+                                  <p:stCondLst>
+                                    <p:cond delay="0"/>
+                                  </p:stCondLst>
+                                  <p:childTnLst>
+                                    <p:set>
+                                      <p:cBhvr>
+                                        <p:cTn id="22" dur="1" fill="hold">
+                                          <p:stCondLst>
+                                            <p:cond delay="0"/>
+                                          </p:stCondLst>
+                                        </p:cTn>
+                                        <p:tgtEl>
+                                          <p:spTgt spid="3">
+                                            <p:txEl>
+                                              <p:pRg st="4" end="4"/>
+                                            </p:txEl>
+                                          </p:spTgt>
+                                        </p:tgtEl>
+                                        <p:attrNameLst>
+                                          <p:attrName>style.visibility</p:attrName>
+                                        </p:attrNameLst>
+                                      </p:cBhvr>
+                                      <p:to>
+                                        <p:strVal val="visible"/>
+                                      </p:to>
+                                    </p:set>
+                                    <p:animEffect transition="in" filter="wipe(down)">
+                                      <p:cBhvr>
+                                        <p:cTn id="23" dur="500"/>
+                                        <p:tgtEl>
+                                          <p:spTgt spid="3">
+                                            <p:txEl>
+                                              <p:pRg st="4" end="4"/>
+                                            </p:txEl>
+                                          </p:spTgt>
+                                        </p:tgtEl>
+                                      </p:cBhvr>
+                                    </p:animEffect>
+                                  </p:childTnLst>
+                                </p:cTn>
+                              </p:par>
+                            </p:childTnLst>
+                          </p:cTn>
+                        </p:par>
+                      </p:childTnLst>
+                    </p:cTn>
+                  </p:par>
+                  <p:par>
+                    <p:cTn id="24" fill="hold">
+                      <p:stCondLst>
+                        <p:cond delay="indefinite"/>
+                      </p:stCondLst>
+                      <p:childTnLst>
+                        <p:par>
+                          <p:cTn id="25" fill="hold">
+                            <p:stCondLst>
+                              <p:cond delay="0"/>
+                            </p:stCondLst>
+                            <p:childTnLst>
+                              <p:par>
+                                <p:cTn id="26" presetID="22" presetClass="entr" presetSubtype="4" fill="hold" nodeType="clickEffect">
+                                  <p:stCondLst>
+                                    <p:cond delay="0"/>
+                                  </p:stCondLst>
+                                  <p:childTnLst>
+                                    <p:set>
+                                      <p:cBhvr>
+                                        <p:cTn id="27" dur="1" fill="hold">
+                                          <p:stCondLst>
+                                            <p:cond delay="0"/>
+                                          </p:stCondLst>
+                                        </p:cTn>
+                                        <p:tgtEl>
+                                          <p:spTgt spid="3">
+                                            <p:txEl>
+                                              <p:pRg st="5" end="5"/>
+                                            </p:txEl>
+                                          </p:spTgt>
+                                        </p:tgtEl>
+                                        <p:attrNameLst>
+                                          <p:attrName>style.visibility</p:attrName>
+                                        </p:attrNameLst>
+                                      </p:cBhvr>
+                                      <p:to>
+                                        <p:strVal val="visible"/>
+                                      </p:to>
+                                    </p:set>
+                                    <p:animEffect transition="in" filter="wipe(down)">
+                                      <p:cBhvr>
+                                        <p:cTn id="28" dur="500"/>
+                                        <p:tgtEl>
+                                          <p:spTgt spid="3">
+                                            <p:txEl>
+                                              <p:pRg st="5" end="5"/>
+                                            </p:txEl>
+                                          </p:spTgt>
+                                        </p:tgtEl>
+                                      </p:cBhvr>
+                                    </p:animEffect>
+                                  </p:childTnLst>
+                                </p:cTn>
+                              </p:par>
+                            </p:childTnLst>
+                          </p:cTn>
+                        </p:par>
+                      </p:childTnLst>
+                    </p:cTn>
+                  </p:par>
+                </p:childTnLst>
+              </p:cTn>
+              <p:prevCondLst>
+                <p:cond evt="onPrev" delay="0">
+                  <p:tgtEl>
+                    <p:sldTgt/>
+                  </p:tgtEl>
+                </p:cond>
+              </p:prevCondLst>
+              <p:nextCondLst>
+                <p:cond evt="onNext" delay="0">
+                  <p:tgtEl>
+                    <p:sldTgt/>
+                  </p:tgtEl>
+                </p:cond>
+              </p:nextCondLst>
+            </p:seq>
+          </p:childTnLst>
+        </p:cTn>
+      </p:par>
+    </p:tnLst>
+  </p:timing>
 </p:sld>
 </file>
 
@@ -10238,8 +10374,13 @@
           <a:p>
             <a:r>
               <a:rPr lang="en-GB" dirty="0"/>
-              <a:t>Video and Command Transmission</a:t>
-            </a:r>
+              <a:t>Video and </a:t>
+            </a:r>
+            <a:r>
+              <a:rPr lang="en-GB"/>
+              <a:t>Command Data Transmission</a:t>
+            </a:r>
+            <a:endParaRPr lang="en-GB" dirty="0"/>
           </a:p>
           <a:p>
             <a:r>
@@ -10249,10 +10390,9 @@
           </a:p>
           <a:p>
             <a:r>
-              <a:rPr lang="en-GB"/>
+              <a:rPr lang="en-GB" dirty="0"/>
               <a:t>Conclusion</a:t>
             </a:r>
-            <a:endParaRPr lang="en-GB" dirty="0"/>
           </a:p>
           <a:p>
             <a:pPr marL="0" indent="0">
@@ -10308,6 +10448,402 @@
   <p:clrMapOvr>
     <a:masterClrMapping/>
   </p:clrMapOvr>
+  <p:timing>
+    <p:tnLst>
+      <p:par>
+        <p:cTn id="1" dur="indefinite" restart="never" nodeType="tmRoot">
+          <p:childTnLst>
+            <p:seq concurrent="1" nextAc="seek">
+              <p:cTn id="2" dur="indefinite" nodeType="mainSeq">
+                <p:childTnLst>
+                  <p:par>
+                    <p:cTn id="3" fill="hold">
+                      <p:stCondLst>
+                        <p:cond delay="indefinite"/>
+                      </p:stCondLst>
+                      <p:childTnLst>
+                        <p:par>
+                          <p:cTn id="4" fill="hold">
+                            <p:stCondLst>
+                              <p:cond delay="0"/>
+                            </p:stCondLst>
+                            <p:childTnLst>
+                              <p:par>
+                                <p:cTn id="5" presetID="16" presetClass="entr" presetSubtype="21" fill="hold" nodeType="clickEffect">
+                                  <p:stCondLst>
+                                    <p:cond delay="0"/>
+                                  </p:stCondLst>
+                                  <p:childTnLst>
+                                    <p:set>
+                                      <p:cBhvr>
+                                        <p:cTn id="6" dur="1" fill="hold">
+                                          <p:stCondLst>
+                                            <p:cond delay="0"/>
+                                          </p:stCondLst>
+                                        </p:cTn>
+                                        <p:tgtEl>
+                                          <p:spTgt spid="3">
+                                            <p:txEl>
+                                              <p:pRg st="0" end="0"/>
+                                            </p:txEl>
+                                          </p:spTgt>
+                                        </p:tgtEl>
+                                        <p:attrNameLst>
+                                          <p:attrName>style.visibility</p:attrName>
+                                        </p:attrNameLst>
+                                      </p:cBhvr>
+                                      <p:to>
+                                        <p:strVal val="visible"/>
+                                      </p:to>
+                                    </p:set>
+                                    <p:animEffect transition="in" filter="barn(inVertical)">
+                                      <p:cBhvr>
+                                        <p:cTn id="7" dur="500"/>
+                                        <p:tgtEl>
+                                          <p:spTgt spid="3">
+                                            <p:txEl>
+                                              <p:pRg st="0" end="0"/>
+                                            </p:txEl>
+                                          </p:spTgt>
+                                        </p:tgtEl>
+                                      </p:cBhvr>
+                                    </p:animEffect>
+                                  </p:childTnLst>
+                                </p:cTn>
+                              </p:par>
+                            </p:childTnLst>
+                          </p:cTn>
+                        </p:par>
+                      </p:childTnLst>
+                    </p:cTn>
+                  </p:par>
+                  <p:par>
+                    <p:cTn id="8" fill="hold">
+                      <p:stCondLst>
+                        <p:cond delay="indefinite"/>
+                      </p:stCondLst>
+                      <p:childTnLst>
+                        <p:par>
+                          <p:cTn id="9" fill="hold">
+                            <p:stCondLst>
+                              <p:cond delay="0"/>
+                            </p:stCondLst>
+                            <p:childTnLst>
+                              <p:par>
+                                <p:cTn id="10" presetID="16" presetClass="entr" presetSubtype="21" fill="hold" nodeType="clickEffect">
+                                  <p:stCondLst>
+                                    <p:cond delay="0"/>
+                                  </p:stCondLst>
+                                  <p:childTnLst>
+                                    <p:set>
+                                      <p:cBhvr>
+                                        <p:cTn id="11" dur="1" fill="hold">
+                                          <p:stCondLst>
+                                            <p:cond delay="0"/>
+                                          </p:stCondLst>
+                                        </p:cTn>
+                                        <p:tgtEl>
+                                          <p:spTgt spid="3">
+                                            <p:txEl>
+                                              <p:pRg st="1" end="1"/>
+                                            </p:txEl>
+                                          </p:spTgt>
+                                        </p:tgtEl>
+                                        <p:attrNameLst>
+                                          <p:attrName>style.visibility</p:attrName>
+                                        </p:attrNameLst>
+                                      </p:cBhvr>
+                                      <p:to>
+                                        <p:strVal val="visible"/>
+                                      </p:to>
+                                    </p:set>
+                                    <p:animEffect transition="in" filter="barn(inVertical)">
+                                      <p:cBhvr>
+                                        <p:cTn id="12" dur="500"/>
+                                        <p:tgtEl>
+                                          <p:spTgt spid="3">
+                                            <p:txEl>
+                                              <p:pRg st="1" end="1"/>
+                                            </p:txEl>
+                                          </p:spTgt>
+                                        </p:tgtEl>
+                                      </p:cBhvr>
+                                    </p:animEffect>
+                                  </p:childTnLst>
+                                </p:cTn>
+                              </p:par>
+                            </p:childTnLst>
+                          </p:cTn>
+                        </p:par>
+                      </p:childTnLst>
+                    </p:cTn>
+                  </p:par>
+                  <p:par>
+                    <p:cTn id="13" fill="hold">
+                      <p:stCondLst>
+                        <p:cond delay="indefinite"/>
+                      </p:stCondLst>
+                      <p:childTnLst>
+                        <p:par>
+                          <p:cTn id="14" fill="hold">
+                            <p:stCondLst>
+                              <p:cond delay="0"/>
+                            </p:stCondLst>
+                            <p:childTnLst>
+                              <p:par>
+                                <p:cTn id="15" presetID="16" presetClass="entr" presetSubtype="21" fill="hold" nodeType="clickEffect">
+                                  <p:stCondLst>
+                                    <p:cond delay="0"/>
+                                  </p:stCondLst>
+                                  <p:childTnLst>
+                                    <p:set>
+                                      <p:cBhvr>
+                                        <p:cTn id="16" dur="1" fill="hold">
+                                          <p:stCondLst>
+                                            <p:cond delay="0"/>
+                                          </p:stCondLst>
+                                        </p:cTn>
+                                        <p:tgtEl>
+                                          <p:spTgt spid="3">
+                                            <p:txEl>
+                                              <p:pRg st="2" end="2"/>
+                                            </p:txEl>
+                                          </p:spTgt>
+                                        </p:tgtEl>
+                                        <p:attrNameLst>
+                                          <p:attrName>style.visibility</p:attrName>
+                                        </p:attrNameLst>
+                                      </p:cBhvr>
+                                      <p:to>
+                                        <p:strVal val="visible"/>
+                                      </p:to>
+                                    </p:set>
+                                    <p:animEffect transition="in" filter="barn(inVertical)">
+                                      <p:cBhvr>
+                                        <p:cTn id="17" dur="500"/>
+                                        <p:tgtEl>
+                                          <p:spTgt spid="3">
+                                            <p:txEl>
+                                              <p:pRg st="2" end="2"/>
+                                            </p:txEl>
+                                          </p:spTgt>
+                                        </p:tgtEl>
+                                      </p:cBhvr>
+                                    </p:animEffect>
+                                  </p:childTnLst>
+                                </p:cTn>
+                              </p:par>
+                            </p:childTnLst>
+                          </p:cTn>
+                        </p:par>
+                      </p:childTnLst>
+                    </p:cTn>
+                  </p:par>
+                  <p:par>
+                    <p:cTn id="18" fill="hold">
+                      <p:stCondLst>
+                        <p:cond delay="indefinite"/>
+                      </p:stCondLst>
+                      <p:childTnLst>
+                        <p:par>
+                          <p:cTn id="19" fill="hold">
+                            <p:stCondLst>
+                              <p:cond delay="0"/>
+                            </p:stCondLst>
+                            <p:childTnLst>
+                              <p:par>
+                                <p:cTn id="20" presetID="16" presetClass="entr" presetSubtype="21" fill="hold" nodeType="clickEffect">
+                                  <p:stCondLst>
+                                    <p:cond delay="0"/>
+                                  </p:stCondLst>
+                                  <p:childTnLst>
+                                    <p:set>
+                                      <p:cBhvr>
+                                        <p:cTn id="21" dur="1" fill="hold">
+                                          <p:stCondLst>
+                                            <p:cond delay="0"/>
+                                          </p:stCondLst>
+                                        </p:cTn>
+                                        <p:tgtEl>
+                                          <p:spTgt spid="3">
+                                            <p:txEl>
+                                              <p:pRg st="3" end="3"/>
+                                            </p:txEl>
+                                          </p:spTgt>
+                                        </p:tgtEl>
+                                        <p:attrNameLst>
+                                          <p:attrName>style.visibility</p:attrName>
+                                        </p:attrNameLst>
+                                      </p:cBhvr>
+                                      <p:to>
+                                        <p:strVal val="visible"/>
+                                      </p:to>
+                                    </p:set>
+                                    <p:animEffect transition="in" filter="barn(inVertical)">
+                                      <p:cBhvr>
+                                        <p:cTn id="22" dur="500"/>
+                                        <p:tgtEl>
+                                          <p:spTgt spid="3">
+                                            <p:txEl>
+                                              <p:pRg st="3" end="3"/>
+                                            </p:txEl>
+                                          </p:spTgt>
+                                        </p:tgtEl>
+                                      </p:cBhvr>
+                                    </p:animEffect>
+                                  </p:childTnLst>
+                                </p:cTn>
+                              </p:par>
+                            </p:childTnLst>
+                          </p:cTn>
+                        </p:par>
+                      </p:childTnLst>
+                    </p:cTn>
+                  </p:par>
+                  <p:par>
+                    <p:cTn id="23" fill="hold">
+                      <p:stCondLst>
+                        <p:cond delay="indefinite"/>
+                      </p:stCondLst>
+                      <p:childTnLst>
+                        <p:par>
+                          <p:cTn id="24" fill="hold">
+                            <p:stCondLst>
+                              <p:cond delay="0"/>
+                            </p:stCondLst>
+                            <p:childTnLst>
+                              <p:par>
+                                <p:cTn id="25" presetID="16" presetClass="entr" presetSubtype="21" fill="hold" nodeType="clickEffect">
+                                  <p:stCondLst>
+                                    <p:cond delay="0"/>
+                                  </p:stCondLst>
+                                  <p:childTnLst>
+                                    <p:set>
+                                      <p:cBhvr>
+                                        <p:cTn id="26" dur="1" fill="hold">
+                                          <p:stCondLst>
+                                            <p:cond delay="0"/>
+                                          </p:stCondLst>
+                                        </p:cTn>
+                                        <p:tgtEl>
+                                          <p:spTgt spid="3">
+                                            <p:txEl>
+                                              <p:pRg st="4" end="4"/>
+                                            </p:txEl>
+                                          </p:spTgt>
+                                        </p:tgtEl>
+                                        <p:attrNameLst>
+                                          <p:attrName>style.visibility</p:attrName>
+                                        </p:attrNameLst>
+                                      </p:cBhvr>
+                                      <p:to>
+                                        <p:strVal val="visible"/>
+                                      </p:to>
+                                    </p:set>
+                                    <p:animEffect transition="in" filter="barn(inVertical)">
+                                      <p:cBhvr>
+                                        <p:cTn id="27" dur="500"/>
+                                        <p:tgtEl>
+                                          <p:spTgt spid="3">
+                                            <p:txEl>
+                                              <p:pRg st="4" end="4"/>
+                                            </p:txEl>
+                                          </p:spTgt>
+                                        </p:tgtEl>
+                                      </p:cBhvr>
+                                    </p:animEffect>
+                                  </p:childTnLst>
+                                </p:cTn>
+                              </p:par>
+                            </p:childTnLst>
+                          </p:cTn>
+                        </p:par>
+                      </p:childTnLst>
+                    </p:cTn>
+                  </p:par>
+                  <p:par>
+                    <p:cTn id="28" fill="hold">
+                      <p:stCondLst>
+                        <p:cond delay="indefinite"/>
+                      </p:stCondLst>
+                      <p:childTnLst>
+                        <p:par>
+                          <p:cTn id="29" fill="hold">
+                            <p:stCondLst>
+                              <p:cond delay="0"/>
+                            </p:stCondLst>
+                            <p:childTnLst>
+                              <p:par>
+                                <p:cTn id="30" presetID="16" presetClass="entr" presetSubtype="21" fill="hold" nodeType="clickEffect">
+                                  <p:stCondLst>
+                                    <p:cond delay="0"/>
+                                  </p:stCondLst>
+                                  <p:childTnLst>
+                                    <p:set>
+                                      <p:cBhvr>
+                                        <p:cTn id="31" dur="1" fill="hold">
+                                          <p:stCondLst>
+                                            <p:cond delay="0"/>
+                                          </p:stCondLst>
+                                        </p:cTn>
+                                        <p:tgtEl>
+                                          <p:spTgt spid="3">
+                                            <p:txEl>
+                                              <p:pRg st="5" end="5"/>
+                                            </p:txEl>
+                                          </p:spTgt>
+                                        </p:tgtEl>
+                                        <p:attrNameLst>
+                                          <p:attrName>style.visibility</p:attrName>
+                                        </p:attrNameLst>
+                                      </p:cBhvr>
+                                      <p:to>
+                                        <p:strVal val="visible"/>
+                                      </p:to>
+                                    </p:set>
+                                    <p:animEffect transition="in" filter="barn(inVertical)">
+                                      <p:cBhvr>
+                                        <p:cTn id="32" dur="500"/>
+                                        <p:tgtEl>
+                                          <p:spTgt spid="3">
+                                            <p:txEl>
+                                              <p:pRg st="5" end="5"/>
+                                            </p:txEl>
+                                          </p:spTgt>
+                                        </p:tgtEl>
+                                      </p:cBhvr>
+                                    </p:animEffect>
+                                  </p:childTnLst>
+                                </p:cTn>
+                              </p:par>
+                            </p:childTnLst>
+                          </p:cTn>
+                        </p:par>
+                      </p:childTnLst>
+                    </p:cTn>
+                  </p:par>
+                </p:childTnLst>
+              </p:cTn>
+              <p:prevCondLst>
+                <p:cond evt="onPrev" delay="0">
+                  <p:tgtEl>
+                    <p:sldTgt/>
+                  </p:tgtEl>
+                </p:cond>
+              </p:prevCondLst>
+              <p:nextCondLst>
+                <p:cond evt="onNext" delay="0">
+                  <p:tgtEl>
+                    <p:sldTgt/>
+                  </p:tgtEl>
+                </p:cond>
+              </p:nextCondLst>
+            </p:seq>
+          </p:childTnLst>
+        </p:cTn>
+      </p:par>
+    </p:tnLst>
+  </p:timing>
 </p:sld>
 </file>
 
@@ -10534,6 +11070,11 @@
           </p:cNvGraphicFramePr>
           <p:nvPr>
             <p:ph idx="1"/>
+            <p:extLst>
+              <p:ext uri="{D42A27DB-BD31-4B8C-83A1-F6EECF244321}">
+                <p14:modId xmlns:p14="http://schemas.microsoft.com/office/powerpoint/2010/main" val="2134668153"/>
+              </p:ext>
+            </p:extLst>
           </p:nvPr>
         </p:nvGraphicFramePr>
         <p:xfrm>
@@ -10706,6 +11247,7 @@
           <a:bodyPr/>
           <a:lstStyle/>
           <a:p>
+            <a:pPr algn="just"/>
             <a:r>
               <a:rPr lang="en-US" b="1" dirty="0"/>
               <a:t>Mission:</a:t>
@@ -10723,6 +11265,7 @@
             <a:endParaRPr lang="tr-TR" dirty="0"/>
           </a:p>
           <a:p>
+            <a:pPr algn="just"/>
             <a:r>
               <a:rPr lang="en-US" b="1" dirty="0"/>
               <a:t>Vision:</a:t>
@@ -10784,6 +11327,158 @@
   <p:clrMapOvr>
     <a:masterClrMapping/>
   </p:clrMapOvr>
+  <p:timing>
+    <p:tnLst>
+      <p:par>
+        <p:cTn id="1" dur="indefinite" restart="never" nodeType="tmRoot">
+          <p:childTnLst>
+            <p:seq concurrent="1" nextAc="seek">
+              <p:cTn id="2" dur="indefinite" nodeType="mainSeq">
+                <p:childTnLst>
+                  <p:par>
+                    <p:cTn id="3" fill="hold">
+                      <p:stCondLst>
+                        <p:cond delay="indefinite"/>
+                      </p:stCondLst>
+                      <p:childTnLst>
+                        <p:par>
+                          <p:cTn id="4" fill="hold">
+                            <p:stCondLst>
+                              <p:cond delay="0"/>
+                            </p:stCondLst>
+                            <p:childTnLst>
+                              <p:par>
+                                <p:cTn id="5" presetID="22" presetClass="entr" presetSubtype="4" fill="hold" nodeType="clickEffect">
+                                  <p:stCondLst>
+                                    <p:cond delay="0"/>
+                                  </p:stCondLst>
+                                  <p:childTnLst>
+                                    <p:set>
+                                      <p:cBhvr>
+                                        <p:cTn id="6" dur="1" fill="hold">
+                                          <p:stCondLst>
+                                            <p:cond delay="0"/>
+                                          </p:stCondLst>
+                                        </p:cTn>
+                                        <p:tgtEl>
+                                          <p:spTgt spid="3">
+                                            <p:txEl>
+                                              <p:pRg st="0" end="0"/>
+                                            </p:txEl>
+                                          </p:spTgt>
+                                        </p:tgtEl>
+                                        <p:attrNameLst>
+                                          <p:attrName>style.visibility</p:attrName>
+                                        </p:attrNameLst>
+                                      </p:cBhvr>
+                                      <p:to>
+                                        <p:strVal val="visible"/>
+                                      </p:to>
+                                    </p:set>
+                                    <p:animEffect transition="in" filter="wipe(down)">
+                                      <p:cBhvr>
+                                        <p:cTn id="7" dur="500"/>
+                                        <p:tgtEl>
+                                          <p:spTgt spid="3">
+                                            <p:txEl>
+                                              <p:pRg st="0" end="0"/>
+                                            </p:txEl>
+                                          </p:spTgt>
+                                        </p:tgtEl>
+                                      </p:cBhvr>
+                                    </p:animEffect>
+                                  </p:childTnLst>
+                                </p:cTn>
+                              </p:par>
+                            </p:childTnLst>
+                          </p:cTn>
+                        </p:par>
+                      </p:childTnLst>
+                    </p:cTn>
+                  </p:par>
+                  <p:par>
+                    <p:cTn id="8" fill="hold">
+                      <p:stCondLst>
+                        <p:cond delay="indefinite"/>
+                      </p:stCondLst>
+                      <p:childTnLst>
+                        <p:par>
+                          <p:cTn id="9" fill="hold">
+                            <p:stCondLst>
+                              <p:cond delay="0"/>
+                            </p:stCondLst>
+                            <p:childTnLst>
+                              <p:par>
+                                <p:cTn id="10" presetID="22" presetClass="entr" presetSubtype="4" fill="hold" nodeType="clickEffect">
+                                  <p:stCondLst>
+                                    <p:cond delay="0"/>
+                                  </p:stCondLst>
+                                  <p:childTnLst>
+                                    <p:set>
+                                      <p:cBhvr>
+                                        <p:cTn id="11" dur="1" fill="hold">
+                                          <p:stCondLst>
+                                            <p:cond delay="0"/>
+                                          </p:stCondLst>
+                                        </p:cTn>
+                                        <p:tgtEl>
+                                          <p:spTgt spid="3">
+                                            <p:txEl>
+                                              <p:pRg st="2" end="2"/>
+                                            </p:txEl>
+                                          </p:spTgt>
+                                        </p:tgtEl>
+                                        <p:attrNameLst>
+                                          <p:attrName>style.visibility</p:attrName>
+                                        </p:attrNameLst>
+                                      </p:cBhvr>
+                                      <p:to>
+                                        <p:strVal val="visible"/>
+                                      </p:to>
+                                    </p:set>
+                                    <p:animEffect transition="in" filter="wipe(down)">
+                                      <p:cBhvr>
+                                        <p:cTn id="12" dur="500"/>
+                                        <p:tgtEl>
+                                          <p:spTgt spid="3">
+                                            <p:txEl>
+                                              <p:pRg st="2" end="2"/>
+                                            </p:txEl>
+                                          </p:spTgt>
+                                        </p:tgtEl>
+                                      </p:cBhvr>
+                                    </p:animEffect>
+                                  </p:childTnLst>
+                                </p:cTn>
+                              </p:par>
+                            </p:childTnLst>
+                          </p:cTn>
+                        </p:par>
+                      </p:childTnLst>
+                    </p:cTn>
+                  </p:par>
+                </p:childTnLst>
+              </p:cTn>
+              <p:prevCondLst>
+                <p:cond evt="onPrev" delay="0">
+                  <p:tgtEl>
+                    <p:sldTgt/>
+                  </p:tgtEl>
+                </p:cond>
+              </p:prevCondLst>
+              <p:nextCondLst>
+                <p:cond evt="onNext" delay="0">
+                  <p:tgtEl>
+                    <p:sldTgt/>
+                  </p:tgtEl>
+                </p:cond>
+              </p:nextCondLst>
+            </p:seq>
+          </p:childTnLst>
+        </p:cTn>
+      </p:par>
+    </p:tnLst>
+  </p:timing>
 </p:sld>
 </file>
 

--- a/Troy Tech - Presentation/TROY- Hasan OZKARA_yeni.pptx
+++ b/Troy Tech - Presentation/TROY- Hasan OZKARA_yeni.pptx
@@ -5,7 +5,7 @@
     <p:sldMasterId id="2147483648" r:id="rId1"/>
   </p:sldMasterIdLst>
   <p:notesMasterIdLst>
-    <p:notesMasterId r:id="rId15"/>
+    <p:notesMasterId r:id="rId14"/>
   </p:notesMasterIdLst>
   <p:sldIdLst>
     <p:sldId id="256" r:id="rId2"/>
@@ -14,13 +14,12 @@
     <p:sldId id="259" r:id="rId5"/>
     <p:sldId id="267" r:id="rId6"/>
     <p:sldId id="260" r:id="rId7"/>
-    <p:sldId id="268" r:id="rId8"/>
-    <p:sldId id="263" r:id="rId9"/>
-    <p:sldId id="262" r:id="rId10"/>
-    <p:sldId id="264" r:id="rId11"/>
-    <p:sldId id="269" r:id="rId12"/>
-    <p:sldId id="270" r:id="rId13"/>
-    <p:sldId id="271" r:id="rId14"/>
+    <p:sldId id="263" r:id="rId8"/>
+    <p:sldId id="262" r:id="rId9"/>
+    <p:sldId id="264" r:id="rId10"/>
+    <p:sldId id="269" r:id="rId11"/>
+    <p:sldId id="270" r:id="rId12"/>
+    <p:sldId id="271" r:id="rId13"/>
   </p:sldIdLst>
   <p:sldSz cx="12192000" cy="6858000"/>
   <p:notesSz cx="6858000" cy="9144000"/>
@@ -8645,1094 +8644,6 @@
           <p:cNvPr id="2" name="Unvan 1">
             <a:extLst>
               <a:ext uri="{FF2B5EF4-FFF2-40B4-BE49-F238E27FC236}">
-                <a16:creationId xmlns:a16="http://schemas.microsoft.com/office/drawing/2014/main" id="{EEB38AE6-A0C9-4D37-8F3E-D1C3F4CB7591}"/>
-              </a:ext>
-            </a:extLst>
-          </p:cNvPr>
-          <p:cNvSpPr>
-            <a:spLocks noGrp="1"/>
-          </p:cNvSpPr>
-          <p:nvPr>
-            <p:ph type="title"/>
-          </p:nvPr>
-        </p:nvSpPr>
-        <p:spPr/>
-        <p:txBody>
-          <a:bodyPr/>
-          <a:lstStyle/>
-          <a:p>
-            <a:r>
-              <a:rPr lang="tr-TR" b="1" dirty="0" err="1">
-                <a:solidFill>
-                  <a:schemeClr val="dk1"/>
-                </a:solidFill>
-                <a:latin typeface="Calibri"/>
-                <a:ea typeface="Calibri"/>
-                <a:cs typeface="Calibri"/>
-                <a:sym typeface="Calibri"/>
-              </a:rPr>
-              <a:t>Restrictions</a:t>
-            </a:r>
-            <a:r>
-              <a:rPr lang="tr-TR" b="1" dirty="0">
-                <a:solidFill>
-                  <a:schemeClr val="dk1"/>
-                </a:solidFill>
-                <a:latin typeface="Calibri"/>
-                <a:ea typeface="Calibri"/>
-                <a:cs typeface="Calibri"/>
-                <a:sym typeface="Calibri"/>
-              </a:rPr>
-              <a:t> &amp; </a:t>
-            </a:r>
-            <a:r>
-              <a:rPr lang="tr-TR" b="1" dirty="0" err="1">
-                <a:solidFill>
-                  <a:schemeClr val="dk1"/>
-                </a:solidFill>
-                <a:latin typeface="Calibri"/>
-                <a:ea typeface="Calibri"/>
-                <a:cs typeface="Calibri"/>
-                <a:sym typeface="Calibri"/>
-              </a:rPr>
-              <a:t>Constraints</a:t>
-            </a:r>
-            <a:endParaRPr lang="tr-TR" dirty="0"/>
-          </a:p>
-        </p:txBody>
-      </p:sp>
-      <p:sp>
-        <p:nvSpPr>
-          <p:cNvPr id="3" name="İçerik Yer Tutucusu 2">
-            <a:extLst>
-              <a:ext uri="{FF2B5EF4-FFF2-40B4-BE49-F238E27FC236}">
-                <a16:creationId xmlns:a16="http://schemas.microsoft.com/office/drawing/2014/main" id="{57A50391-F84B-4172-8424-1407F4421EE0}"/>
-              </a:ext>
-            </a:extLst>
-          </p:cNvPr>
-          <p:cNvSpPr>
-            <a:spLocks noGrp="1"/>
-          </p:cNvSpPr>
-          <p:nvPr>
-            <p:ph idx="1"/>
-          </p:nvPr>
-        </p:nvSpPr>
-        <p:spPr/>
-        <p:txBody>
-          <a:bodyPr>
-            <a:normAutofit/>
-          </a:bodyPr>
-          <a:lstStyle/>
-          <a:p>
-            <a:pPr marL="457200" lvl="0" indent="-457200">
-              <a:lnSpc>
-                <a:spcPct val="150000"/>
-              </a:lnSpc>
-              <a:spcBef>
-                <a:spcPts val="0"/>
-              </a:spcBef>
-              <a:buClr>
-                <a:schemeClr val="dk1"/>
-              </a:buClr>
-              <a:buSzPts val="2670"/>
-              <a:buFont typeface="Arial"/>
-              <a:buChar char="•"/>
-            </a:pPr>
-            <a:r>
-              <a:rPr lang="en-US" dirty="0">
-                <a:solidFill>
-                  <a:schemeClr val="dk1"/>
-                </a:solidFill>
-                <a:effectLst>
-                  <a:outerShdw blurRad="38100" dist="38100" dir="2700000" algn="tl">
-                    <a:srgbClr val="000000">
-                      <a:alpha val="43137"/>
-                    </a:srgbClr>
-                  </a:outerShdw>
-                </a:effectLst>
-                <a:ea typeface="Calibri"/>
-                <a:cs typeface="Calibri"/>
-                <a:sym typeface="Calibri"/>
-              </a:rPr>
-              <a:t>Teleoperation from at least 30 meters</a:t>
-            </a:r>
-          </a:p>
-          <a:p>
-            <a:pPr marL="457200" lvl="0" indent="-457200">
-              <a:lnSpc>
-                <a:spcPct val="150000"/>
-              </a:lnSpc>
-              <a:spcBef>
-                <a:spcPts val="0"/>
-              </a:spcBef>
-              <a:buClr>
-                <a:schemeClr val="dk1"/>
-              </a:buClr>
-              <a:buSzPts val="2670"/>
-              <a:buFont typeface="Arial"/>
-              <a:buChar char="•"/>
-            </a:pPr>
-            <a:r>
-              <a:rPr lang="en-US" dirty="0">
-                <a:solidFill>
-                  <a:schemeClr val="dk1"/>
-                </a:solidFill>
-                <a:effectLst>
-                  <a:outerShdw blurRad="38100" dist="38100" dir="2700000" algn="tl">
-                    <a:srgbClr val="000000">
-                      <a:alpha val="43137"/>
-                    </a:srgbClr>
-                  </a:outerShdw>
-                </a:effectLst>
-                <a:ea typeface="Calibri"/>
-                <a:cs typeface="Calibri"/>
-                <a:sym typeface="Calibri"/>
-              </a:rPr>
-              <a:t>Remote control</a:t>
-            </a:r>
-          </a:p>
-          <a:p>
-            <a:pPr marL="457200" lvl="0" indent="-457200">
-              <a:lnSpc>
-                <a:spcPct val="150000"/>
-              </a:lnSpc>
-              <a:spcBef>
-                <a:spcPts val="0"/>
-              </a:spcBef>
-              <a:buClr>
-                <a:schemeClr val="dk1"/>
-              </a:buClr>
-              <a:buSzPts val="2670"/>
-              <a:buFont typeface="Arial"/>
-              <a:buChar char="•"/>
-            </a:pPr>
-            <a:r>
-              <a:rPr lang="tr-TR" dirty="0">
-                <a:solidFill>
-                  <a:schemeClr val="dk1"/>
-                </a:solidFill>
-                <a:effectLst>
-                  <a:outerShdw blurRad="38100" dist="38100" dir="2700000" algn="tl">
-                    <a:srgbClr val="000000">
-                      <a:alpha val="43137"/>
-                    </a:srgbClr>
-                  </a:outerShdw>
-                </a:effectLst>
-                <a:ea typeface="Calibri"/>
-                <a:cs typeface="Calibri"/>
-                <a:sym typeface="Calibri"/>
-              </a:rPr>
-              <a:t>No </a:t>
-            </a:r>
-            <a:r>
-              <a:rPr lang="tr-TR" dirty="0" err="1">
-                <a:solidFill>
-                  <a:schemeClr val="dk1"/>
-                </a:solidFill>
-                <a:effectLst>
-                  <a:outerShdw blurRad="38100" dist="38100" dir="2700000" algn="tl">
-                    <a:srgbClr val="000000">
-                      <a:alpha val="43137"/>
-                    </a:srgbClr>
-                  </a:outerShdw>
-                </a:effectLst>
-                <a:ea typeface="Calibri"/>
-                <a:cs typeface="Calibri"/>
-                <a:sym typeface="Calibri"/>
-              </a:rPr>
-              <a:t>crossing</a:t>
-            </a:r>
-            <a:r>
-              <a:rPr lang="tr-TR" dirty="0">
-                <a:solidFill>
-                  <a:schemeClr val="dk1"/>
-                </a:solidFill>
-                <a:effectLst>
-                  <a:outerShdw blurRad="38100" dist="38100" dir="2700000" algn="tl">
-                    <a:srgbClr val="000000">
-                      <a:alpha val="43137"/>
-                    </a:srgbClr>
-                  </a:outerShdw>
-                </a:effectLst>
-                <a:ea typeface="Calibri"/>
-                <a:cs typeface="Calibri"/>
-                <a:sym typeface="Calibri"/>
-              </a:rPr>
-              <a:t> </a:t>
-            </a:r>
-            <a:r>
-              <a:rPr lang="tr-TR" dirty="0" err="1">
-                <a:solidFill>
-                  <a:schemeClr val="dk1"/>
-                </a:solidFill>
-                <a:effectLst>
-                  <a:outerShdw blurRad="38100" dist="38100" dir="2700000" algn="tl">
-                    <a:srgbClr val="000000">
-                      <a:alpha val="43137"/>
-                    </a:srgbClr>
-                  </a:outerShdw>
-                </a:effectLst>
-                <a:ea typeface="Calibri"/>
-                <a:cs typeface="Calibri"/>
-                <a:sym typeface="Calibri"/>
-              </a:rPr>
-              <a:t>to</a:t>
-            </a:r>
-            <a:r>
-              <a:rPr lang="tr-TR" dirty="0">
-                <a:solidFill>
-                  <a:schemeClr val="dk1"/>
-                </a:solidFill>
-                <a:effectLst>
-                  <a:outerShdw blurRad="38100" dist="38100" dir="2700000" algn="tl">
-                    <a:srgbClr val="000000">
-                      <a:alpha val="43137"/>
-                    </a:srgbClr>
-                  </a:outerShdw>
-                </a:effectLst>
-                <a:ea typeface="Calibri"/>
-                <a:cs typeface="Calibri"/>
-                <a:sym typeface="Calibri"/>
-              </a:rPr>
-              <a:t> </a:t>
-            </a:r>
-            <a:r>
-              <a:rPr lang="tr-TR" dirty="0" err="1">
-                <a:solidFill>
-                  <a:schemeClr val="dk1"/>
-                </a:solidFill>
-                <a:effectLst>
-                  <a:outerShdw blurRad="38100" dist="38100" dir="2700000" algn="tl">
-                    <a:srgbClr val="000000">
-                      <a:alpha val="43137"/>
-                    </a:srgbClr>
-                  </a:outerShdw>
-                </a:effectLst>
-                <a:ea typeface="Calibri"/>
-                <a:cs typeface="Calibri"/>
-                <a:sym typeface="Calibri"/>
-              </a:rPr>
-              <a:t>the</a:t>
-            </a:r>
-            <a:r>
-              <a:rPr lang="tr-TR" dirty="0">
-                <a:solidFill>
-                  <a:schemeClr val="dk1"/>
-                </a:solidFill>
-                <a:effectLst>
-                  <a:outerShdw blurRad="38100" dist="38100" dir="2700000" algn="tl">
-                    <a:srgbClr val="000000">
-                      <a:alpha val="43137"/>
-                    </a:srgbClr>
-                  </a:outerShdw>
-                </a:effectLst>
-                <a:ea typeface="Calibri"/>
-                <a:cs typeface="Calibri"/>
-                <a:sym typeface="Calibri"/>
-              </a:rPr>
-              <a:t> </a:t>
-            </a:r>
-            <a:r>
-              <a:rPr lang="en-US" dirty="0">
-                <a:solidFill>
-                  <a:schemeClr val="dk1"/>
-                </a:solidFill>
-                <a:effectLst>
-                  <a:outerShdw blurRad="38100" dist="38100" dir="2700000" algn="tl">
-                    <a:srgbClr val="000000">
-                      <a:alpha val="43137"/>
-                    </a:srgbClr>
-                  </a:outerShdw>
-                </a:effectLst>
-                <a:ea typeface="Calibri"/>
-                <a:cs typeface="Calibri"/>
-                <a:sym typeface="Calibri"/>
-              </a:rPr>
-              <a:t>center-line</a:t>
-            </a:r>
-          </a:p>
-          <a:p>
-            <a:pPr marL="457200" indent="-457200">
-              <a:lnSpc>
-                <a:spcPct val="150000"/>
-              </a:lnSpc>
-              <a:spcBef>
-                <a:spcPts val="0"/>
-              </a:spcBef>
-              <a:buClr>
-                <a:schemeClr val="dk1"/>
-              </a:buClr>
-              <a:buSzPts val="2670"/>
-              <a:buFont typeface="Arial"/>
-              <a:buChar char="•"/>
-            </a:pPr>
-            <a:r>
-              <a:rPr lang="en-US" dirty="0">
-                <a:solidFill>
-                  <a:schemeClr val="dk1"/>
-                </a:solidFill>
-                <a:effectLst>
-                  <a:outerShdw blurRad="38100" dist="38100" dir="2700000" algn="tl">
-                    <a:srgbClr val="000000">
-                      <a:alpha val="43137"/>
-                    </a:srgbClr>
-                  </a:outerShdw>
-                </a:effectLst>
-                <a:ea typeface="Calibri"/>
-                <a:cs typeface="Calibri"/>
-                <a:sym typeface="Calibri"/>
-              </a:rPr>
-              <a:t>Ball transfer to opponent’s field in 20 seconds</a:t>
-            </a:r>
-            <a:r>
-              <a:rPr lang="tr-TR" dirty="0">
-                <a:solidFill>
-                  <a:schemeClr val="dk1"/>
-                </a:solidFill>
-                <a:effectLst>
-                  <a:outerShdw blurRad="38100" dist="38100" dir="2700000" algn="tl">
-                    <a:srgbClr val="000000">
-                      <a:alpha val="43137"/>
-                    </a:srgbClr>
-                  </a:outerShdw>
-                </a:effectLst>
-                <a:ea typeface="Calibri"/>
-                <a:cs typeface="Calibri"/>
-                <a:sym typeface="Calibri"/>
-              </a:rPr>
-              <a:t> </a:t>
-            </a:r>
-          </a:p>
-          <a:p>
-            <a:pPr marL="457200" lvl="0" indent="-457200">
-              <a:lnSpc>
-                <a:spcPct val="150000"/>
-              </a:lnSpc>
-              <a:spcBef>
-                <a:spcPts val="0"/>
-              </a:spcBef>
-              <a:buClr>
-                <a:schemeClr val="dk1"/>
-              </a:buClr>
-              <a:buSzPts val="2670"/>
-              <a:buFont typeface="Arial"/>
-              <a:buChar char="•"/>
-            </a:pPr>
-            <a:r>
-              <a:rPr lang="tr-TR" dirty="0">
-                <a:solidFill>
-                  <a:schemeClr val="dk1"/>
-                </a:solidFill>
-                <a:effectLst>
-                  <a:outerShdw blurRad="38100" dist="38100" dir="2700000" algn="tl">
-                    <a:srgbClr val="000000">
-                      <a:alpha val="43137"/>
-                    </a:srgbClr>
-                  </a:outerShdw>
-                </a:effectLst>
-                <a:ea typeface="Calibri"/>
-                <a:cs typeface="Calibri"/>
-                <a:sym typeface="Calibri"/>
-              </a:rPr>
-              <a:t>Robot </a:t>
-            </a:r>
-            <a:r>
-              <a:rPr lang="tr-TR" dirty="0" err="1">
-                <a:solidFill>
-                  <a:schemeClr val="dk1"/>
-                </a:solidFill>
-                <a:effectLst>
-                  <a:outerShdw blurRad="38100" dist="38100" dir="2700000" algn="tl">
-                    <a:srgbClr val="000000">
-                      <a:alpha val="43137"/>
-                    </a:srgbClr>
-                  </a:outerShdw>
-                </a:effectLst>
-                <a:ea typeface="Calibri"/>
-                <a:cs typeface="Calibri"/>
-                <a:sym typeface="Calibri"/>
-              </a:rPr>
-              <a:t>fitting</a:t>
-            </a:r>
-            <a:r>
-              <a:rPr lang="tr-TR" dirty="0">
-                <a:solidFill>
-                  <a:schemeClr val="dk1"/>
-                </a:solidFill>
-                <a:effectLst>
-                  <a:outerShdw blurRad="38100" dist="38100" dir="2700000" algn="tl">
-                    <a:srgbClr val="000000">
-                      <a:alpha val="43137"/>
-                    </a:srgbClr>
-                  </a:outerShdw>
-                </a:effectLst>
-                <a:ea typeface="Calibri"/>
-                <a:cs typeface="Calibri"/>
-                <a:sym typeface="Calibri"/>
-              </a:rPr>
-              <a:t> </a:t>
-            </a:r>
-            <a:r>
-              <a:rPr lang="tr-TR" dirty="0" err="1">
-                <a:solidFill>
-                  <a:schemeClr val="dk1"/>
-                </a:solidFill>
-                <a:effectLst>
-                  <a:outerShdw blurRad="38100" dist="38100" dir="2700000" algn="tl">
-                    <a:srgbClr val="000000">
-                      <a:alpha val="43137"/>
-                    </a:srgbClr>
-                  </a:outerShdw>
-                </a:effectLst>
-                <a:ea typeface="Calibri"/>
-                <a:cs typeface="Calibri"/>
-                <a:sym typeface="Calibri"/>
-              </a:rPr>
-              <a:t>into</a:t>
-            </a:r>
-            <a:r>
-              <a:rPr lang="tr-TR" dirty="0">
-                <a:solidFill>
-                  <a:schemeClr val="dk1"/>
-                </a:solidFill>
-                <a:effectLst>
-                  <a:outerShdw blurRad="38100" dist="38100" dir="2700000" algn="tl">
-                    <a:srgbClr val="000000">
-                      <a:alpha val="43137"/>
-                    </a:srgbClr>
-                  </a:outerShdw>
-                </a:effectLst>
-                <a:ea typeface="Calibri"/>
-                <a:cs typeface="Calibri"/>
-                <a:sym typeface="Calibri"/>
-              </a:rPr>
-              <a:t> </a:t>
-            </a:r>
-            <a:r>
-              <a:rPr lang="tr-TR" dirty="0" err="1">
-                <a:solidFill>
-                  <a:schemeClr val="dk1"/>
-                </a:solidFill>
-                <a:effectLst>
-                  <a:outerShdw blurRad="38100" dist="38100" dir="2700000" algn="tl">
-                    <a:srgbClr val="000000">
-                      <a:alpha val="43137"/>
-                    </a:srgbClr>
-                  </a:outerShdw>
-                </a:effectLst>
-                <a:ea typeface="Calibri"/>
-                <a:cs typeface="Calibri"/>
-                <a:sym typeface="Calibri"/>
-              </a:rPr>
-              <a:t>cylinder</a:t>
-            </a:r>
-            <a:r>
-              <a:rPr lang="tr-TR" dirty="0">
-                <a:solidFill>
-                  <a:schemeClr val="dk1"/>
-                </a:solidFill>
-                <a:effectLst>
-                  <a:outerShdw blurRad="38100" dist="38100" dir="2700000" algn="tl">
-                    <a:srgbClr val="000000">
-                      <a:alpha val="43137"/>
-                    </a:srgbClr>
-                  </a:outerShdw>
-                </a:effectLst>
-                <a:ea typeface="Calibri"/>
-                <a:cs typeface="Calibri"/>
-                <a:sym typeface="Calibri"/>
-              </a:rPr>
-              <a:t> of </a:t>
-            </a:r>
-            <a:r>
-              <a:rPr lang="tr-TR" dirty="0" err="1">
-                <a:solidFill>
-                  <a:schemeClr val="dk1"/>
-                </a:solidFill>
-                <a:effectLst>
-                  <a:outerShdw blurRad="38100" dist="38100" dir="2700000" algn="tl">
-                    <a:srgbClr val="000000">
-                      <a:alpha val="43137"/>
-                    </a:srgbClr>
-                  </a:outerShdw>
-                </a:effectLst>
-                <a:ea typeface="Calibri"/>
-                <a:cs typeface="Calibri"/>
-                <a:sym typeface="Calibri"/>
-              </a:rPr>
-              <a:t>diameter</a:t>
-            </a:r>
-            <a:r>
-              <a:rPr lang="tr-TR" dirty="0">
-                <a:solidFill>
-                  <a:schemeClr val="dk1"/>
-                </a:solidFill>
-                <a:effectLst>
-                  <a:outerShdw blurRad="38100" dist="38100" dir="2700000" algn="tl">
-                    <a:srgbClr val="000000">
-                      <a:alpha val="43137"/>
-                    </a:srgbClr>
-                  </a:outerShdw>
-                </a:effectLst>
-                <a:ea typeface="Calibri"/>
-                <a:cs typeface="Calibri"/>
-                <a:sym typeface="Calibri"/>
-              </a:rPr>
-              <a:t> </a:t>
-            </a:r>
-            <a:r>
-              <a:rPr lang="en-US" dirty="0">
-                <a:solidFill>
-                  <a:schemeClr val="dk1"/>
-                </a:solidFill>
-                <a:effectLst>
-                  <a:outerShdw blurRad="38100" dist="38100" dir="2700000" algn="tl">
-                    <a:srgbClr val="000000">
-                      <a:alpha val="43137"/>
-                    </a:srgbClr>
-                  </a:outerShdw>
-                </a:effectLst>
-                <a:ea typeface="Calibri"/>
-                <a:cs typeface="Calibri"/>
-                <a:sym typeface="Calibri"/>
-              </a:rPr>
-              <a:t>65</a:t>
-            </a:r>
-            <a:r>
-              <a:rPr lang="tr-TR" dirty="0">
-                <a:solidFill>
-                  <a:schemeClr val="dk1"/>
-                </a:solidFill>
-                <a:effectLst>
-                  <a:outerShdw blurRad="38100" dist="38100" dir="2700000" algn="tl">
-                    <a:srgbClr val="000000">
-                      <a:alpha val="43137"/>
-                    </a:srgbClr>
-                  </a:outerShdw>
-                </a:effectLst>
-                <a:ea typeface="Calibri"/>
-                <a:cs typeface="Calibri"/>
-                <a:sym typeface="Calibri"/>
-              </a:rPr>
-              <a:t>cm</a:t>
-            </a:r>
-            <a:endParaRPr lang="en-US" dirty="0">
-              <a:solidFill>
-                <a:schemeClr val="dk1"/>
-              </a:solidFill>
-              <a:effectLst>
-                <a:outerShdw blurRad="38100" dist="38100" dir="2700000" algn="tl">
-                  <a:srgbClr val="000000">
-                    <a:alpha val="43137"/>
-                  </a:srgbClr>
-                </a:outerShdw>
-              </a:effectLst>
-              <a:ea typeface="Calibri"/>
-              <a:cs typeface="Calibri"/>
-              <a:sym typeface="Calibri"/>
-            </a:endParaRPr>
-          </a:p>
-          <a:p>
-            <a:pPr marL="457200" indent="-457200">
-              <a:lnSpc>
-                <a:spcPct val="150000"/>
-              </a:lnSpc>
-              <a:spcBef>
-                <a:spcPts val="0"/>
-              </a:spcBef>
-              <a:buClr>
-                <a:schemeClr val="dk1"/>
-              </a:buClr>
-              <a:buSzPts val="2670"/>
-              <a:buFont typeface="Arial"/>
-              <a:buChar char="•"/>
-            </a:pPr>
-            <a:r>
-              <a:rPr lang="tr-TR" dirty="0">
-                <a:solidFill>
-                  <a:schemeClr val="dk1"/>
-                </a:solidFill>
-                <a:effectLst>
-                  <a:outerShdw blurRad="38100" dist="38100" dir="2700000" algn="tl">
-                    <a:srgbClr val="000000">
-                      <a:alpha val="43137"/>
-                    </a:srgbClr>
-                  </a:outerShdw>
-                </a:effectLst>
-                <a:ea typeface="Calibri"/>
-                <a:cs typeface="Calibri"/>
-                <a:sym typeface="Calibri"/>
-              </a:rPr>
-              <a:t>Maximum </a:t>
-            </a:r>
-            <a:r>
-              <a:rPr lang="tr-TR" dirty="0" err="1">
-                <a:solidFill>
-                  <a:schemeClr val="dk1"/>
-                </a:solidFill>
-                <a:effectLst>
-                  <a:outerShdw blurRad="38100" dist="38100" dir="2700000" algn="tl">
-                    <a:srgbClr val="000000">
-                      <a:alpha val="43137"/>
-                    </a:srgbClr>
-                  </a:outerShdw>
-                </a:effectLst>
-                <a:ea typeface="Calibri"/>
-                <a:cs typeface="Calibri"/>
-                <a:sym typeface="Calibri"/>
-              </a:rPr>
-              <a:t>budget</a:t>
-            </a:r>
-            <a:r>
-              <a:rPr lang="tr-TR" dirty="0">
-                <a:solidFill>
-                  <a:schemeClr val="dk1"/>
-                </a:solidFill>
-                <a:effectLst>
-                  <a:outerShdw blurRad="38100" dist="38100" dir="2700000" algn="tl">
-                    <a:srgbClr val="000000">
-                      <a:alpha val="43137"/>
-                    </a:srgbClr>
-                  </a:outerShdw>
-                </a:effectLst>
-                <a:ea typeface="Calibri"/>
-                <a:cs typeface="Calibri"/>
-                <a:sym typeface="Calibri"/>
-              </a:rPr>
-              <a:t> of $200</a:t>
-            </a:r>
-          </a:p>
-          <a:p>
-            <a:pPr marL="457200" lvl="0" indent="-457200">
-              <a:lnSpc>
-                <a:spcPct val="150000"/>
-              </a:lnSpc>
-              <a:spcBef>
-                <a:spcPts val="0"/>
-              </a:spcBef>
-              <a:buClr>
-                <a:schemeClr val="dk1"/>
-              </a:buClr>
-              <a:buSzPts val="2670"/>
-              <a:buFont typeface="Arial"/>
-              <a:buChar char="•"/>
-            </a:pPr>
-            <a:endParaRPr lang="tr-TR" dirty="0">
-              <a:solidFill>
-                <a:schemeClr val="dk1"/>
-              </a:solidFill>
-              <a:effectLst>
-                <a:outerShdw blurRad="38100" dist="38100" dir="2700000" algn="tl">
-                  <a:srgbClr val="000000">
-                    <a:alpha val="43137"/>
-                  </a:srgbClr>
-                </a:outerShdw>
-              </a:effectLst>
-              <a:ea typeface="Calibri"/>
-              <a:cs typeface="Calibri"/>
-              <a:sym typeface="Calibri"/>
-            </a:endParaRPr>
-          </a:p>
-          <a:p>
-            <a:endParaRPr lang="tr-TR" dirty="0"/>
-          </a:p>
-        </p:txBody>
-      </p:sp>
-    </p:spTree>
-    <p:extLst>
-      <p:ext uri="{BB962C8B-B14F-4D97-AF65-F5344CB8AC3E}">
-        <p14:creationId xmlns:p14="http://schemas.microsoft.com/office/powerpoint/2010/main" val="1590730584"/>
-      </p:ext>
-    </p:extLst>
-  </p:cSld>
-  <p:clrMapOvr>
-    <a:masterClrMapping/>
-  </p:clrMapOvr>
-  <p:timing>
-    <p:tnLst>
-      <p:par>
-        <p:cTn id="1" dur="indefinite" restart="never" nodeType="tmRoot">
-          <p:childTnLst>
-            <p:seq concurrent="1" nextAc="seek">
-              <p:cTn id="2" dur="indefinite" nodeType="mainSeq">
-                <p:childTnLst>
-                  <p:par>
-                    <p:cTn id="3" fill="hold">
-                      <p:stCondLst>
-                        <p:cond delay="indefinite"/>
-                      </p:stCondLst>
-                      <p:childTnLst>
-                        <p:par>
-                          <p:cTn id="4" fill="hold">
-                            <p:stCondLst>
-                              <p:cond delay="0"/>
-                            </p:stCondLst>
-                            <p:childTnLst>
-                              <p:par>
-                                <p:cTn id="5" presetID="22" presetClass="entr" presetSubtype="4" fill="hold" nodeType="clickEffect">
-                                  <p:stCondLst>
-                                    <p:cond delay="0"/>
-                                  </p:stCondLst>
-                                  <p:childTnLst>
-                                    <p:set>
-                                      <p:cBhvr>
-                                        <p:cTn id="6" dur="1" fill="hold">
-                                          <p:stCondLst>
-                                            <p:cond delay="0"/>
-                                          </p:stCondLst>
-                                        </p:cTn>
-                                        <p:tgtEl>
-                                          <p:spTgt spid="3">
-                                            <p:txEl>
-                                              <p:pRg st="0" end="0"/>
-                                            </p:txEl>
-                                          </p:spTgt>
-                                        </p:tgtEl>
-                                        <p:attrNameLst>
-                                          <p:attrName>style.visibility</p:attrName>
-                                        </p:attrNameLst>
-                                      </p:cBhvr>
-                                      <p:to>
-                                        <p:strVal val="visible"/>
-                                      </p:to>
-                                    </p:set>
-                                    <p:animEffect transition="in" filter="wipe(down)">
-                                      <p:cBhvr>
-                                        <p:cTn id="7" dur="500"/>
-                                        <p:tgtEl>
-                                          <p:spTgt spid="3">
-                                            <p:txEl>
-                                              <p:pRg st="0" end="0"/>
-                                            </p:txEl>
-                                          </p:spTgt>
-                                        </p:tgtEl>
-                                      </p:cBhvr>
-                                    </p:animEffect>
-                                  </p:childTnLst>
-                                </p:cTn>
-                              </p:par>
-                              <p:par>
-                                <p:cTn id="8" presetID="22" presetClass="entr" presetSubtype="4" fill="hold" nodeType="withEffect">
-                                  <p:stCondLst>
-                                    <p:cond delay="0"/>
-                                  </p:stCondLst>
-                                  <p:childTnLst>
-                                    <p:set>
-                                      <p:cBhvr>
-                                        <p:cTn id="9" dur="1" fill="hold">
-                                          <p:stCondLst>
-                                            <p:cond delay="0"/>
-                                          </p:stCondLst>
-                                        </p:cTn>
-                                        <p:tgtEl>
-                                          <p:spTgt spid="3">
-                                            <p:txEl>
-                                              <p:pRg st="1" end="1"/>
-                                            </p:txEl>
-                                          </p:spTgt>
-                                        </p:tgtEl>
-                                        <p:attrNameLst>
-                                          <p:attrName>style.visibility</p:attrName>
-                                        </p:attrNameLst>
-                                      </p:cBhvr>
-                                      <p:to>
-                                        <p:strVal val="visible"/>
-                                      </p:to>
-                                    </p:set>
-                                    <p:animEffect transition="in" filter="wipe(down)">
-                                      <p:cBhvr>
-                                        <p:cTn id="10" dur="500"/>
-                                        <p:tgtEl>
-                                          <p:spTgt spid="3">
-                                            <p:txEl>
-                                              <p:pRg st="1" end="1"/>
-                                            </p:txEl>
-                                          </p:spTgt>
-                                        </p:tgtEl>
-                                      </p:cBhvr>
-                                    </p:animEffect>
-                                  </p:childTnLst>
-                                </p:cTn>
-                              </p:par>
-                            </p:childTnLst>
-                          </p:cTn>
-                        </p:par>
-                      </p:childTnLst>
-                    </p:cTn>
-                  </p:par>
-                  <p:par>
-                    <p:cTn id="11" fill="hold">
-                      <p:stCondLst>
-                        <p:cond delay="indefinite"/>
-                      </p:stCondLst>
-                      <p:childTnLst>
-                        <p:par>
-                          <p:cTn id="12" fill="hold">
-                            <p:stCondLst>
-                              <p:cond delay="0"/>
-                            </p:stCondLst>
-                            <p:childTnLst>
-                              <p:par>
-                                <p:cTn id="13" presetID="22" presetClass="entr" presetSubtype="4" fill="hold" nodeType="clickEffect">
-                                  <p:stCondLst>
-                                    <p:cond delay="0"/>
-                                  </p:stCondLst>
-                                  <p:childTnLst>
-                                    <p:set>
-                                      <p:cBhvr>
-                                        <p:cTn id="14" dur="1" fill="hold">
-                                          <p:stCondLst>
-                                            <p:cond delay="0"/>
-                                          </p:stCondLst>
-                                        </p:cTn>
-                                        <p:tgtEl>
-                                          <p:spTgt spid="3">
-                                            <p:txEl>
-                                              <p:pRg st="2" end="2"/>
-                                            </p:txEl>
-                                          </p:spTgt>
-                                        </p:tgtEl>
-                                        <p:attrNameLst>
-                                          <p:attrName>style.visibility</p:attrName>
-                                        </p:attrNameLst>
-                                      </p:cBhvr>
-                                      <p:to>
-                                        <p:strVal val="visible"/>
-                                      </p:to>
-                                    </p:set>
-                                    <p:animEffect transition="in" filter="wipe(down)">
-                                      <p:cBhvr>
-                                        <p:cTn id="15" dur="500"/>
-                                        <p:tgtEl>
-                                          <p:spTgt spid="3">
-                                            <p:txEl>
-                                              <p:pRg st="2" end="2"/>
-                                            </p:txEl>
-                                          </p:spTgt>
-                                        </p:tgtEl>
-                                      </p:cBhvr>
-                                    </p:animEffect>
-                                  </p:childTnLst>
-                                </p:cTn>
-                              </p:par>
-                              <p:par>
-                                <p:cTn id="16" presetID="22" presetClass="entr" presetSubtype="4" fill="hold" nodeType="withEffect">
-                                  <p:stCondLst>
-                                    <p:cond delay="0"/>
-                                  </p:stCondLst>
-                                  <p:childTnLst>
-                                    <p:set>
-                                      <p:cBhvr>
-                                        <p:cTn id="17" dur="1" fill="hold">
-                                          <p:stCondLst>
-                                            <p:cond delay="0"/>
-                                          </p:stCondLst>
-                                        </p:cTn>
-                                        <p:tgtEl>
-                                          <p:spTgt spid="3">
-                                            <p:txEl>
-                                              <p:pRg st="3" end="3"/>
-                                            </p:txEl>
-                                          </p:spTgt>
-                                        </p:tgtEl>
-                                        <p:attrNameLst>
-                                          <p:attrName>style.visibility</p:attrName>
-                                        </p:attrNameLst>
-                                      </p:cBhvr>
-                                      <p:to>
-                                        <p:strVal val="visible"/>
-                                      </p:to>
-                                    </p:set>
-                                    <p:animEffect transition="in" filter="wipe(down)">
-                                      <p:cBhvr>
-                                        <p:cTn id="18" dur="500"/>
-                                        <p:tgtEl>
-                                          <p:spTgt spid="3">
-                                            <p:txEl>
-                                              <p:pRg st="3" end="3"/>
-                                            </p:txEl>
-                                          </p:spTgt>
-                                        </p:tgtEl>
-                                      </p:cBhvr>
-                                    </p:animEffect>
-                                  </p:childTnLst>
-                                </p:cTn>
-                              </p:par>
-                            </p:childTnLst>
-                          </p:cTn>
-                        </p:par>
-                      </p:childTnLst>
-                    </p:cTn>
-                  </p:par>
-                  <p:par>
-                    <p:cTn id="19" fill="hold">
-                      <p:stCondLst>
-                        <p:cond delay="indefinite"/>
-                      </p:stCondLst>
-                      <p:childTnLst>
-                        <p:par>
-                          <p:cTn id="20" fill="hold">
-                            <p:stCondLst>
-                              <p:cond delay="0"/>
-                            </p:stCondLst>
-                            <p:childTnLst>
-                              <p:par>
-                                <p:cTn id="21" presetID="22" presetClass="entr" presetSubtype="4" fill="hold" nodeType="clickEffect">
-                                  <p:stCondLst>
-                                    <p:cond delay="0"/>
-                                  </p:stCondLst>
-                                  <p:childTnLst>
-                                    <p:set>
-                                      <p:cBhvr>
-                                        <p:cTn id="22" dur="1" fill="hold">
-                                          <p:stCondLst>
-                                            <p:cond delay="0"/>
-                                          </p:stCondLst>
-                                        </p:cTn>
-                                        <p:tgtEl>
-                                          <p:spTgt spid="3">
-                                            <p:txEl>
-                                              <p:pRg st="4" end="4"/>
-                                            </p:txEl>
-                                          </p:spTgt>
-                                        </p:tgtEl>
-                                        <p:attrNameLst>
-                                          <p:attrName>style.visibility</p:attrName>
-                                        </p:attrNameLst>
-                                      </p:cBhvr>
-                                      <p:to>
-                                        <p:strVal val="visible"/>
-                                      </p:to>
-                                    </p:set>
-                                    <p:animEffect transition="in" filter="wipe(down)">
-                                      <p:cBhvr>
-                                        <p:cTn id="23" dur="500"/>
-                                        <p:tgtEl>
-                                          <p:spTgt spid="3">
-                                            <p:txEl>
-                                              <p:pRg st="4" end="4"/>
-                                            </p:txEl>
-                                          </p:spTgt>
-                                        </p:tgtEl>
-                                      </p:cBhvr>
-                                    </p:animEffect>
-                                  </p:childTnLst>
-                                </p:cTn>
-                              </p:par>
-                            </p:childTnLst>
-                          </p:cTn>
-                        </p:par>
-                      </p:childTnLst>
-                    </p:cTn>
-                  </p:par>
-                  <p:par>
-                    <p:cTn id="24" fill="hold">
-                      <p:stCondLst>
-                        <p:cond delay="indefinite"/>
-                      </p:stCondLst>
-                      <p:childTnLst>
-                        <p:par>
-                          <p:cTn id="25" fill="hold">
-                            <p:stCondLst>
-                              <p:cond delay="0"/>
-                            </p:stCondLst>
-                            <p:childTnLst>
-                              <p:par>
-                                <p:cTn id="26" presetID="22" presetClass="entr" presetSubtype="4" fill="hold" nodeType="clickEffect">
-                                  <p:stCondLst>
-                                    <p:cond delay="0"/>
-                                  </p:stCondLst>
-                                  <p:childTnLst>
-                                    <p:set>
-                                      <p:cBhvr>
-                                        <p:cTn id="27" dur="1" fill="hold">
-                                          <p:stCondLst>
-                                            <p:cond delay="0"/>
-                                          </p:stCondLst>
-                                        </p:cTn>
-                                        <p:tgtEl>
-                                          <p:spTgt spid="3">
-                                            <p:txEl>
-                                              <p:pRg st="5" end="5"/>
-                                            </p:txEl>
-                                          </p:spTgt>
-                                        </p:tgtEl>
-                                        <p:attrNameLst>
-                                          <p:attrName>style.visibility</p:attrName>
-                                        </p:attrNameLst>
-                                      </p:cBhvr>
-                                      <p:to>
-                                        <p:strVal val="visible"/>
-                                      </p:to>
-                                    </p:set>
-                                    <p:animEffect transition="in" filter="wipe(down)">
-                                      <p:cBhvr>
-                                        <p:cTn id="28" dur="500"/>
-                                        <p:tgtEl>
-                                          <p:spTgt spid="3">
-                                            <p:txEl>
-                                              <p:pRg st="5" end="5"/>
-                                            </p:txEl>
-                                          </p:spTgt>
-                                        </p:tgtEl>
-                                      </p:cBhvr>
-                                    </p:animEffect>
-                                  </p:childTnLst>
-                                </p:cTn>
-                              </p:par>
-                            </p:childTnLst>
-                          </p:cTn>
-                        </p:par>
-                      </p:childTnLst>
-                    </p:cTn>
-                  </p:par>
-                </p:childTnLst>
-              </p:cTn>
-              <p:prevCondLst>
-                <p:cond evt="onPrev" delay="0">
-                  <p:tgtEl>
-                    <p:sldTgt/>
-                  </p:tgtEl>
-                </p:cond>
-              </p:prevCondLst>
-              <p:nextCondLst>
-                <p:cond evt="onNext" delay="0">
-                  <p:tgtEl>
-                    <p:sldTgt/>
-                  </p:tgtEl>
-                </p:cond>
-              </p:nextCondLst>
-            </p:seq>
-          </p:childTnLst>
-        </p:cTn>
-      </p:par>
-    </p:tnLst>
-  </p:timing>
-</p:sld>
-</file>
-
-<file path=ppt/slides/slide11.xml><?xml version="1.0" encoding="utf-8"?>
-<p:sld xmlns:a="http://schemas.openxmlformats.org/drawingml/2006/main" xmlns:r="http://schemas.openxmlformats.org/officeDocument/2006/relationships" xmlns:p="http://schemas.openxmlformats.org/presentationml/2006/main">
-  <p:cSld>
-    <p:spTree>
-      <p:nvGrpSpPr>
-        <p:cNvPr id="1" name=""/>
-        <p:cNvGrpSpPr/>
-        <p:nvPr/>
-      </p:nvGrpSpPr>
-      <p:grpSpPr>
-        <a:xfrm>
-          <a:off x="0" y="0"/>
-          <a:ext cx="0" cy="0"/>
-          <a:chOff x="0" y="0"/>
-          <a:chExt cx="0" cy="0"/>
-        </a:xfrm>
-      </p:grpSpPr>
-      <p:sp>
-        <p:nvSpPr>
-          <p:cNvPr id="2" name="Unvan 1">
-            <a:extLst>
-              <a:ext uri="{FF2B5EF4-FFF2-40B4-BE49-F238E27FC236}">
                 <a16:creationId xmlns:a16="http://schemas.microsoft.com/office/drawing/2014/main" id="{13664B4F-C3A5-4AE2-A2D0-D042E9198A4B}"/>
               </a:ext>
             </a:extLst>
@@ -9917,7 +8828,7 @@
 </p:sld>
 </file>
 
-<file path=ppt/slides/slide12.xml><?xml version="1.0" encoding="utf-8"?>
+<file path=ppt/slides/slide11.xml><?xml version="1.0" encoding="utf-8"?>
 <p:sld xmlns:a="http://schemas.openxmlformats.org/drawingml/2006/main" xmlns:r="http://schemas.openxmlformats.org/officeDocument/2006/relationships" xmlns:p="http://schemas.openxmlformats.org/presentationml/2006/main">
   <p:cSld>
     <p:spTree>
@@ -9983,7 +8894,7 @@
 </p:sld>
 </file>
 
-<file path=ppt/slides/slide13.xml><?xml version="1.0" encoding="utf-8"?>
+<file path=ppt/slides/slide12.xml><?xml version="1.0" encoding="utf-8"?>
 <p:sld xmlns:a="http://schemas.openxmlformats.org/drawingml/2006/main" xmlns:r="http://schemas.openxmlformats.org/officeDocument/2006/relationships" xmlns:p="http://schemas.openxmlformats.org/presentationml/2006/main">
   <p:cSld>
     <p:spTree>
@@ -11501,104 +10412,6 @@
       </p:grpSpPr>
       <p:sp>
         <p:nvSpPr>
-          <p:cNvPr id="2" name="Unvan 1">
-            <a:extLst>
-              <a:ext uri="{FF2B5EF4-FFF2-40B4-BE49-F238E27FC236}">
-                <a16:creationId xmlns:a16="http://schemas.microsoft.com/office/drawing/2014/main" id="{4D173B3A-91B9-4774-B2D8-E81A2744EFDD}"/>
-              </a:ext>
-            </a:extLst>
-          </p:cNvPr>
-          <p:cNvSpPr>
-            <a:spLocks noGrp="1"/>
-          </p:cNvSpPr>
-          <p:nvPr>
-            <p:ph type="title"/>
-          </p:nvPr>
-        </p:nvSpPr>
-        <p:spPr/>
-        <p:txBody>
-          <a:bodyPr/>
-          <a:lstStyle/>
-          <a:p>
-            <a:r>
-              <a:rPr lang="en-US" b="1" dirty="0">
-                <a:latin typeface="+mn-lt"/>
-              </a:rPr>
-              <a:t>Product – Helen V</a:t>
-            </a:r>
-            <a:endParaRPr lang="tr-TR" b="1" dirty="0">
-              <a:latin typeface="+mn-lt"/>
-            </a:endParaRPr>
-          </a:p>
-        </p:txBody>
-      </p:sp>
-      <p:pic>
-        <p:nvPicPr>
-          <p:cNvPr id="5" name="İçerik Yer Tutucusu 4">
-            <a:extLst>
-              <a:ext uri="{FF2B5EF4-FFF2-40B4-BE49-F238E27FC236}">
-                <a16:creationId xmlns:a16="http://schemas.microsoft.com/office/drawing/2014/main" id="{85EA595A-96D1-49D6-BFEB-F3F975DA95DD}"/>
-              </a:ext>
-            </a:extLst>
-          </p:cNvPr>
-          <p:cNvPicPr>
-            <a:picLocks noGrp="1" noChangeAspect="1"/>
-          </p:cNvPicPr>
-          <p:nvPr>
-            <p:ph idx="1"/>
-          </p:nvPr>
-        </p:nvPicPr>
-        <p:blipFill>
-          <a:blip r:embed="rId2">
-            <a:extLst>
-              <a:ext uri="{28A0092B-C50C-407E-A947-70E740481C1C}">
-                <a14:useLocalDpi xmlns:a14="http://schemas.microsoft.com/office/drawing/2010/main" val="0"/>
-              </a:ext>
-            </a:extLst>
-          </a:blip>
-          <a:stretch>
-            <a:fillRect/>
-          </a:stretch>
-        </p:blipFill>
-        <p:spPr>
-          <a:xfrm>
-            <a:off x="3829050" y="2382044"/>
-            <a:ext cx="4533900" cy="3238500"/>
-          </a:xfrm>
-        </p:spPr>
-      </p:pic>
-    </p:spTree>
-    <p:extLst>
-      <p:ext uri="{BB962C8B-B14F-4D97-AF65-F5344CB8AC3E}">
-        <p14:creationId xmlns:p14="http://schemas.microsoft.com/office/powerpoint/2010/main" val="606525825"/>
-      </p:ext>
-    </p:extLst>
-  </p:cSld>
-  <p:clrMapOvr>
-    <a:masterClrMapping/>
-  </p:clrMapOvr>
-</p:sld>
-</file>
-
-<file path=ppt/slides/slide8.xml><?xml version="1.0" encoding="utf-8"?>
-<p:sld xmlns:a="http://schemas.openxmlformats.org/drawingml/2006/main" xmlns:r="http://schemas.openxmlformats.org/officeDocument/2006/relationships" xmlns:p="http://schemas.openxmlformats.org/presentationml/2006/main">
-  <p:cSld>
-    <p:spTree>
-      <p:nvGrpSpPr>
-        <p:cNvPr id="1" name=""/>
-        <p:cNvGrpSpPr/>
-        <p:nvPr/>
-      </p:nvGrpSpPr>
-      <p:grpSpPr>
-        <a:xfrm>
-          <a:off x="0" y="0"/>
-          <a:ext cx="0" cy="0"/>
-          <a:chOff x="0" y="0"/>
-          <a:chExt cx="0" cy="0"/>
-        </a:xfrm>
-      </p:grpSpPr>
-      <p:sp>
-        <p:nvSpPr>
           <p:cNvPr id="3" name="İçerik Yer Tutucusu 2">
             <a:extLst>
               <a:ext uri="{FF2B5EF4-FFF2-40B4-BE49-F238E27FC236}">
@@ -11687,7 +10500,7 @@
 </p:sld>
 </file>
 
-<file path=ppt/slides/slide9.xml><?xml version="1.0" encoding="utf-8"?>
+<file path=ppt/slides/slide8.xml><?xml version="1.0" encoding="utf-8"?>
 <p:sld xmlns:a="http://schemas.openxmlformats.org/drawingml/2006/main" xmlns:r="http://schemas.openxmlformats.org/officeDocument/2006/relationships" xmlns:p="http://schemas.openxmlformats.org/presentationml/2006/main">
   <p:cSld>
     <p:spTree>
@@ -11829,6 +10642,1094 @@
   <p:clrMapOvr>
     <a:masterClrMapping/>
   </p:clrMapOvr>
+</p:sld>
+</file>
+
+<file path=ppt/slides/slide9.xml><?xml version="1.0" encoding="utf-8"?>
+<p:sld xmlns:a="http://schemas.openxmlformats.org/drawingml/2006/main" xmlns:r="http://schemas.openxmlformats.org/officeDocument/2006/relationships" xmlns:p="http://schemas.openxmlformats.org/presentationml/2006/main">
+  <p:cSld>
+    <p:spTree>
+      <p:nvGrpSpPr>
+        <p:cNvPr id="1" name=""/>
+        <p:cNvGrpSpPr/>
+        <p:nvPr/>
+      </p:nvGrpSpPr>
+      <p:grpSpPr>
+        <a:xfrm>
+          <a:off x="0" y="0"/>
+          <a:ext cx="0" cy="0"/>
+          <a:chOff x="0" y="0"/>
+          <a:chExt cx="0" cy="0"/>
+        </a:xfrm>
+      </p:grpSpPr>
+      <p:sp>
+        <p:nvSpPr>
+          <p:cNvPr id="2" name="Unvan 1">
+            <a:extLst>
+              <a:ext uri="{FF2B5EF4-FFF2-40B4-BE49-F238E27FC236}">
+                <a16:creationId xmlns:a16="http://schemas.microsoft.com/office/drawing/2014/main" id="{EEB38AE6-A0C9-4D37-8F3E-D1C3F4CB7591}"/>
+              </a:ext>
+            </a:extLst>
+          </p:cNvPr>
+          <p:cNvSpPr>
+            <a:spLocks noGrp="1"/>
+          </p:cNvSpPr>
+          <p:nvPr>
+            <p:ph type="title"/>
+          </p:nvPr>
+        </p:nvSpPr>
+        <p:spPr/>
+        <p:txBody>
+          <a:bodyPr/>
+          <a:lstStyle/>
+          <a:p>
+            <a:r>
+              <a:rPr lang="tr-TR" b="1" dirty="0" err="1">
+                <a:solidFill>
+                  <a:schemeClr val="dk1"/>
+                </a:solidFill>
+                <a:latin typeface="Calibri"/>
+                <a:ea typeface="Calibri"/>
+                <a:cs typeface="Calibri"/>
+                <a:sym typeface="Calibri"/>
+              </a:rPr>
+              <a:t>Restrictions</a:t>
+            </a:r>
+            <a:r>
+              <a:rPr lang="tr-TR" b="1" dirty="0">
+                <a:solidFill>
+                  <a:schemeClr val="dk1"/>
+                </a:solidFill>
+                <a:latin typeface="Calibri"/>
+                <a:ea typeface="Calibri"/>
+                <a:cs typeface="Calibri"/>
+                <a:sym typeface="Calibri"/>
+              </a:rPr>
+              <a:t> &amp; </a:t>
+            </a:r>
+            <a:r>
+              <a:rPr lang="tr-TR" b="1" dirty="0" err="1">
+                <a:solidFill>
+                  <a:schemeClr val="dk1"/>
+                </a:solidFill>
+                <a:latin typeface="Calibri"/>
+                <a:ea typeface="Calibri"/>
+                <a:cs typeface="Calibri"/>
+                <a:sym typeface="Calibri"/>
+              </a:rPr>
+              <a:t>Constraints</a:t>
+            </a:r>
+            <a:endParaRPr lang="tr-TR" dirty="0"/>
+          </a:p>
+        </p:txBody>
+      </p:sp>
+      <p:sp>
+        <p:nvSpPr>
+          <p:cNvPr id="3" name="İçerik Yer Tutucusu 2">
+            <a:extLst>
+              <a:ext uri="{FF2B5EF4-FFF2-40B4-BE49-F238E27FC236}">
+                <a16:creationId xmlns:a16="http://schemas.microsoft.com/office/drawing/2014/main" id="{57A50391-F84B-4172-8424-1407F4421EE0}"/>
+              </a:ext>
+            </a:extLst>
+          </p:cNvPr>
+          <p:cNvSpPr>
+            <a:spLocks noGrp="1"/>
+          </p:cNvSpPr>
+          <p:nvPr>
+            <p:ph idx="1"/>
+          </p:nvPr>
+        </p:nvSpPr>
+        <p:spPr/>
+        <p:txBody>
+          <a:bodyPr>
+            <a:normAutofit/>
+          </a:bodyPr>
+          <a:lstStyle/>
+          <a:p>
+            <a:pPr marL="457200" lvl="0" indent="-457200">
+              <a:lnSpc>
+                <a:spcPct val="150000"/>
+              </a:lnSpc>
+              <a:spcBef>
+                <a:spcPts val="0"/>
+              </a:spcBef>
+              <a:buClr>
+                <a:schemeClr val="dk1"/>
+              </a:buClr>
+              <a:buSzPts val="2670"/>
+              <a:buFont typeface="Arial"/>
+              <a:buChar char="•"/>
+            </a:pPr>
+            <a:r>
+              <a:rPr lang="en-US" dirty="0">
+                <a:solidFill>
+                  <a:schemeClr val="dk1"/>
+                </a:solidFill>
+                <a:effectLst>
+                  <a:outerShdw blurRad="38100" dist="38100" dir="2700000" algn="tl">
+                    <a:srgbClr val="000000">
+                      <a:alpha val="43137"/>
+                    </a:srgbClr>
+                  </a:outerShdw>
+                </a:effectLst>
+                <a:ea typeface="Calibri"/>
+                <a:cs typeface="Calibri"/>
+                <a:sym typeface="Calibri"/>
+              </a:rPr>
+              <a:t>Teleoperation from at least 30 meters</a:t>
+            </a:r>
+          </a:p>
+          <a:p>
+            <a:pPr marL="457200" lvl="0" indent="-457200">
+              <a:lnSpc>
+                <a:spcPct val="150000"/>
+              </a:lnSpc>
+              <a:spcBef>
+                <a:spcPts val="0"/>
+              </a:spcBef>
+              <a:buClr>
+                <a:schemeClr val="dk1"/>
+              </a:buClr>
+              <a:buSzPts val="2670"/>
+              <a:buFont typeface="Arial"/>
+              <a:buChar char="•"/>
+            </a:pPr>
+            <a:r>
+              <a:rPr lang="en-US" dirty="0">
+                <a:solidFill>
+                  <a:schemeClr val="dk1"/>
+                </a:solidFill>
+                <a:effectLst>
+                  <a:outerShdw blurRad="38100" dist="38100" dir="2700000" algn="tl">
+                    <a:srgbClr val="000000">
+                      <a:alpha val="43137"/>
+                    </a:srgbClr>
+                  </a:outerShdw>
+                </a:effectLst>
+                <a:ea typeface="Calibri"/>
+                <a:cs typeface="Calibri"/>
+                <a:sym typeface="Calibri"/>
+              </a:rPr>
+              <a:t>Remote control</a:t>
+            </a:r>
+          </a:p>
+          <a:p>
+            <a:pPr marL="457200" lvl="0" indent="-457200">
+              <a:lnSpc>
+                <a:spcPct val="150000"/>
+              </a:lnSpc>
+              <a:spcBef>
+                <a:spcPts val="0"/>
+              </a:spcBef>
+              <a:buClr>
+                <a:schemeClr val="dk1"/>
+              </a:buClr>
+              <a:buSzPts val="2670"/>
+              <a:buFont typeface="Arial"/>
+              <a:buChar char="•"/>
+            </a:pPr>
+            <a:r>
+              <a:rPr lang="tr-TR" dirty="0">
+                <a:solidFill>
+                  <a:schemeClr val="dk1"/>
+                </a:solidFill>
+                <a:effectLst>
+                  <a:outerShdw blurRad="38100" dist="38100" dir="2700000" algn="tl">
+                    <a:srgbClr val="000000">
+                      <a:alpha val="43137"/>
+                    </a:srgbClr>
+                  </a:outerShdw>
+                </a:effectLst>
+                <a:ea typeface="Calibri"/>
+                <a:cs typeface="Calibri"/>
+                <a:sym typeface="Calibri"/>
+              </a:rPr>
+              <a:t>No </a:t>
+            </a:r>
+            <a:r>
+              <a:rPr lang="tr-TR" dirty="0" err="1">
+                <a:solidFill>
+                  <a:schemeClr val="dk1"/>
+                </a:solidFill>
+                <a:effectLst>
+                  <a:outerShdw blurRad="38100" dist="38100" dir="2700000" algn="tl">
+                    <a:srgbClr val="000000">
+                      <a:alpha val="43137"/>
+                    </a:srgbClr>
+                  </a:outerShdw>
+                </a:effectLst>
+                <a:ea typeface="Calibri"/>
+                <a:cs typeface="Calibri"/>
+                <a:sym typeface="Calibri"/>
+              </a:rPr>
+              <a:t>crossing</a:t>
+            </a:r>
+            <a:r>
+              <a:rPr lang="tr-TR" dirty="0">
+                <a:solidFill>
+                  <a:schemeClr val="dk1"/>
+                </a:solidFill>
+                <a:effectLst>
+                  <a:outerShdw blurRad="38100" dist="38100" dir="2700000" algn="tl">
+                    <a:srgbClr val="000000">
+                      <a:alpha val="43137"/>
+                    </a:srgbClr>
+                  </a:outerShdw>
+                </a:effectLst>
+                <a:ea typeface="Calibri"/>
+                <a:cs typeface="Calibri"/>
+                <a:sym typeface="Calibri"/>
+              </a:rPr>
+              <a:t> </a:t>
+            </a:r>
+            <a:r>
+              <a:rPr lang="tr-TR" dirty="0" err="1">
+                <a:solidFill>
+                  <a:schemeClr val="dk1"/>
+                </a:solidFill>
+                <a:effectLst>
+                  <a:outerShdw blurRad="38100" dist="38100" dir="2700000" algn="tl">
+                    <a:srgbClr val="000000">
+                      <a:alpha val="43137"/>
+                    </a:srgbClr>
+                  </a:outerShdw>
+                </a:effectLst>
+                <a:ea typeface="Calibri"/>
+                <a:cs typeface="Calibri"/>
+                <a:sym typeface="Calibri"/>
+              </a:rPr>
+              <a:t>to</a:t>
+            </a:r>
+            <a:r>
+              <a:rPr lang="tr-TR" dirty="0">
+                <a:solidFill>
+                  <a:schemeClr val="dk1"/>
+                </a:solidFill>
+                <a:effectLst>
+                  <a:outerShdw blurRad="38100" dist="38100" dir="2700000" algn="tl">
+                    <a:srgbClr val="000000">
+                      <a:alpha val="43137"/>
+                    </a:srgbClr>
+                  </a:outerShdw>
+                </a:effectLst>
+                <a:ea typeface="Calibri"/>
+                <a:cs typeface="Calibri"/>
+                <a:sym typeface="Calibri"/>
+              </a:rPr>
+              <a:t> </a:t>
+            </a:r>
+            <a:r>
+              <a:rPr lang="tr-TR" dirty="0" err="1">
+                <a:solidFill>
+                  <a:schemeClr val="dk1"/>
+                </a:solidFill>
+                <a:effectLst>
+                  <a:outerShdw blurRad="38100" dist="38100" dir="2700000" algn="tl">
+                    <a:srgbClr val="000000">
+                      <a:alpha val="43137"/>
+                    </a:srgbClr>
+                  </a:outerShdw>
+                </a:effectLst>
+                <a:ea typeface="Calibri"/>
+                <a:cs typeface="Calibri"/>
+                <a:sym typeface="Calibri"/>
+              </a:rPr>
+              <a:t>the</a:t>
+            </a:r>
+            <a:r>
+              <a:rPr lang="tr-TR" dirty="0">
+                <a:solidFill>
+                  <a:schemeClr val="dk1"/>
+                </a:solidFill>
+                <a:effectLst>
+                  <a:outerShdw blurRad="38100" dist="38100" dir="2700000" algn="tl">
+                    <a:srgbClr val="000000">
+                      <a:alpha val="43137"/>
+                    </a:srgbClr>
+                  </a:outerShdw>
+                </a:effectLst>
+                <a:ea typeface="Calibri"/>
+                <a:cs typeface="Calibri"/>
+                <a:sym typeface="Calibri"/>
+              </a:rPr>
+              <a:t> </a:t>
+            </a:r>
+            <a:r>
+              <a:rPr lang="en-US" dirty="0">
+                <a:solidFill>
+                  <a:schemeClr val="dk1"/>
+                </a:solidFill>
+                <a:effectLst>
+                  <a:outerShdw blurRad="38100" dist="38100" dir="2700000" algn="tl">
+                    <a:srgbClr val="000000">
+                      <a:alpha val="43137"/>
+                    </a:srgbClr>
+                  </a:outerShdw>
+                </a:effectLst>
+                <a:ea typeface="Calibri"/>
+                <a:cs typeface="Calibri"/>
+                <a:sym typeface="Calibri"/>
+              </a:rPr>
+              <a:t>center-line</a:t>
+            </a:r>
+          </a:p>
+          <a:p>
+            <a:pPr marL="457200" indent="-457200">
+              <a:lnSpc>
+                <a:spcPct val="150000"/>
+              </a:lnSpc>
+              <a:spcBef>
+                <a:spcPts val="0"/>
+              </a:spcBef>
+              <a:buClr>
+                <a:schemeClr val="dk1"/>
+              </a:buClr>
+              <a:buSzPts val="2670"/>
+              <a:buFont typeface="Arial"/>
+              <a:buChar char="•"/>
+            </a:pPr>
+            <a:r>
+              <a:rPr lang="en-US" dirty="0">
+                <a:solidFill>
+                  <a:schemeClr val="dk1"/>
+                </a:solidFill>
+                <a:effectLst>
+                  <a:outerShdw blurRad="38100" dist="38100" dir="2700000" algn="tl">
+                    <a:srgbClr val="000000">
+                      <a:alpha val="43137"/>
+                    </a:srgbClr>
+                  </a:outerShdw>
+                </a:effectLst>
+                <a:ea typeface="Calibri"/>
+                <a:cs typeface="Calibri"/>
+                <a:sym typeface="Calibri"/>
+              </a:rPr>
+              <a:t>Ball transfer to opponent’s field in 20 seconds</a:t>
+            </a:r>
+            <a:r>
+              <a:rPr lang="tr-TR" dirty="0">
+                <a:solidFill>
+                  <a:schemeClr val="dk1"/>
+                </a:solidFill>
+                <a:effectLst>
+                  <a:outerShdw blurRad="38100" dist="38100" dir="2700000" algn="tl">
+                    <a:srgbClr val="000000">
+                      <a:alpha val="43137"/>
+                    </a:srgbClr>
+                  </a:outerShdw>
+                </a:effectLst>
+                <a:ea typeface="Calibri"/>
+                <a:cs typeface="Calibri"/>
+                <a:sym typeface="Calibri"/>
+              </a:rPr>
+              <a:t> </a:t>
+            </a:r>
+          </a:p>
+          <a:p>
+            <a:pPr marL="457200" lvl="0" indent="-457200">
+              <a:lnSpc>
+                <a:spcPct val="150000"/>
+              </a:lnSpc>
+              <a:spcBef>
+                <a:spcPts val="0"/>
+              </a:spcBef>
+              <a:buClr>
+                <a:schemeClr val="dk1"/>
+              </a:buClr>
+              <a:buSzPts val="2670"/>
+              <a:buFont typeface="Arial"/>
+              <a:buChar char="•"/>
+            </a:pPr>
+            <a:r>
+              <a:rPr lang="tr-TR" dirty="0">
+                <a:solidFill>
+                  <a:schemeClr val="dk1"/>
+                </a:solidFill>
+                <a:effectLst>
+                  <a:outerShdw blurRad="38100" dist="38100" dir="2700000" algn="tl">
+                    <a:srgbClr val="000000">
+                      <a:alpha val="43137"/>
+                    </a:srgbClr>
+                  </a:outerShdw>
+                </a:effectLst>
+                <a:ea typeface="Calibri"/>
+                <a:cs typeface="Calibri"/>
+                <a:sym typeface="Calibri"/>
+              </a:rPr>
+              <a:t>Robot </a:t>
+            </a:r>
+            <a:r>
+              <a:rPr lang="tr-TR" dirty="0" err="1">
+                <a:solidFill>
+                  <a:schemeClr val="dk1"/>
+                </a:solidFill>
+                <a:effectLst>
+                  <a:outerShdw blurRad="38100" dist="38100" dir="2700000" algn="tl">
+                    <a:srgbClr val="000000">
+                      <a:alpha val="43137"/>
+                    </a:srgbClr>
+                  </a:outerShdw>
+                </a:effectLst>
+                <a:ea typeface="Calibri"/>
+                <a:cs typeface="Calibri"/>
+                <a:sym typeface="Calibri"/>
+              </a:rPr>
+              <a:t>fitting</a:t>
+            </a:r>
+            <a:r>
+              <a:rPr lang="tr-TR" dirty="0">
+                <a:solidFill>
+                  <a:schemeClr val="dk1"/>
+                </a:solidFill>
+                <a:effectLst>
+                  <a:outerShdw blurRad="38100" dist="38100" dir="2700000" algn="tl">
+                    <a:srgbClr val="000000">
+                      <a:alpha val="43137"/>
+                    </a:srgbClr>
+                  </a:outerShdw>
+                </a:effectLst>
+                <a:ea typeface="Calibri"/>
+                <a:cs typeface="Calibri"/>
+                <a:sym typeface="Calibri"/>
+              </a:rPr>
+              <a:t> </a:t>
+            </a:r>
+            <a:r>
+              <a:rPr lang="tr-TR" dirty="0" err="1">
+                <a:solidFill>
+                  <a:schemeClr val="dk1"/>
+                </a:solidFill>
+                <a:effectLst>
+                  <a:outerShdw blurRad="38100" dist="38100" dir="2700000" algn="tl">
+                    <a:srgbClr val="000000">
+                      <a:alpha val="43137"/>
+                    </a:srgbClr>
+                  </a:outerShdw>
+                </a:effectLst>
+                <a:ea typeface="Calibri"/>
+                <a:cs typeface="Calibri"/>
+                <a:sym typeface="Calibri"/>
+              </a:rPr>
+              <a:t>into</a:t>
+            </a:r>
+            <a:r>
+              <a:rPr lang="tr-TR" dirty="0">
+                <a:solidFill>
+                  <a:schemeClr val="dk1"/>
+                </a:solidFill>
+                <a:effectLst>
+                  <a:outerShdw blurRad="38100" dist="38100" dir="2700000" algn="tl">
+                    <a:srgbClr val="000000">
+                      <a:alpha val="43137"/>
+                    </a:srgbClr>
+                  </a:outerShdw>
+                </a:effectLst>
+                <a:ea typeface="Calibri"/>
+                <a:cs typeface="Calibri"/>
+                <a:sym typeface="Calibri"/>
+              </a:rPr>
+              <a:t> </a:t>
+            </a:r>
+            <a:r>
+              <a:rPr lang="tr-TR" dirty="0" err="1">
+                <a:solidFill>
+                  <a:schemeClr val="dk1"/>
+                </a:solidFill>
+                <a:effectLst>
+                  <a:outerShdw blurRad="38100" dist="38100" dir="2700000" algn="tl">
+                    <a:srgbClr val="000000">
+                      <a:alpha val="43137"/>
+                    </a:srgbClr>
+                  </a:outerShdw>
+                </a:effectLst>
+                <a:ea typeface="Calibri"/>
+                <a:cs typeface="Calibri"/>
+                <a:sym typeface="Calibri"/>
+              </a:rPr>
+              <a:t>cylinder</a:t>
+            </a:r>
+            <a:r>
+              <a:rPr lang="tr-TR" dirty="0">
+                <a:solidFill>
+                  <a:schemeClr val="dk1"/>
+                </a:solidFill>
+                <a:effectLst>
+                  <a:outerShdw blurRad="38100" dist="38100" dir="2700000" algn="tl">
+                    <a:srgbClr val="000000">
+                      <a:alpha val="43137"/>
+                    </a:srgbClr>
+                  </a:outerShdw>
+                </a:effectLst>
+                <a:ea typeface="Calibri"/>
+                <a:cs typeface="Calibri"/>
+                <a:sym typeface="Calibri"/>
+              </a:rPr>
+              <a:t> of </a:t>
+            </a:r>
+            <a:r>
+              <a:rPr lang="tr-TR" dirty="0" err="1">
+                <a:solidFill>
+                  <a:schemeClr val="dk1"/>
+                </a:solidFill>
+                <a:effectLst>
+                  <a:outerShdw blurRad="38100" dist="38100" dir="2700000" algn="tl">
+                    <a:srgbClr val="000000">
+                      <a:alpha val="43137"/>
+                    </a:srgbClr>
+                  </a:outerShdw>
+                </a:effectLst>
+                <a:ea typeface="Calibri"/>
+                <a:cs typeface="Calibri"/>
+                <a:sym typeface="Calibri"/>
+              </a:rPr>
+              <a:t>diameter</a:t>
+            </a:r>
+            <a:r>
+              <a:rPr lang="tr-TR" dirty="0">
+                <a:solidFill>
+                  <a:schemeClr val="dk1"/>
+                </a:solidFill>
+                <a:effectLst>
+                  <a:outerShdw blurRad="38100" dist="38100" dir="2700000" algn="tl">
+                    <a:srgbClr val="000000">
+                      <a:alpha val="43137"/>
+                    </a:srgbClr>
+                  </a:outerShdw>
+                </a:effectLst>
+                <a:ea typeface="Calibri"/>
+                <a:cs typeface="Calibri"/>
+                <a:sym typeface="Calibri"/>
+              </a:rPr>
+              <a:t> </a:t>
+            </a:r>
+            <a:r>
+              <a:rPr lang="en-US" dirty="0">
+                <a:solidFill>
+                  <a:schemeClr val="dk1"/>
+                </a:solidFill>
+                <a:effectLst>
+                  <a:outerShdw blurRad="38100" dist="38100" dir="2700000" algn="tl">
+                    <a:srgbClr val="000000">
+                      <a:alpha val="43137"/>
+                    </a:srgbClr>
+                  </a:outerShdw>
+                </a:effectLst>
+                <a:ea typeface="Calibri"/>
+                <a:cs typeface="Calibri"/>
+                <a:sym typeface="Calibri"/>
+              </a:rPr>
+              <a:t>65</a:t>
+            </a:r>
+            <a:r>
+              <a:rPr lang="tr-TR" dirty="0">
+                <a:solidFill>
+                  <a:schemeClr val="dk1"/>
+                </a:solidFill>
+                <a:effectLst>
+                  <a:outerShdw blurRad="38100" dist="38100" dir="2700000" algn="tl">
+                    <a:srgbClr val="000000">
+                      <a:alpha val="43137"/>
+                    </a:srgbClr>
+                  </a:outerShdw>
+                </a:effectLst>
+                <a:ea typeface="Calibri"/>
+                <a:cs typeface="Calibri"/>
+                <a:sym typeface="Calibri"/>
+              </a:rPr>
+              <a:t>cm</a:t>
+            </a:r>
+            <a:endParaRPr lang="en-US" dirty="0">
+              <a:solidFill>
+                <a:schemeClr val="dk1"/>
+              </a:solidFill>
+              <a:effectLst>
+                <a:outerShdw blurRad="38100" dist="38100" dir="2700000" algn="tl">
+                  <a:srgbClr val="000000">
+                    <a:alpha val="43137"/>
+                  </a:srgbClr>
+                </a:outerShdw>
+              </a:effectLst>
+              <a:ea typeface="Calibri"/>
+              <a:cs typeface="Calibri"/>
+              <a:sym typeface="Calibri"/>
+            </a:endParaRPr>
+          </a:p>
+          <a:p>
+            <a:pPr marL="457200" indent="-457200">
+              <a:lnSpc>
+                <a:spcPct val="150000"/>
+              </a:lnSpc>
+              <a:spcBef>
+                <a:spcPts val="0"/>
+              </a:spcBef>
+              <a:buClr>
+                <a:schemeClr val="dk1"/>
+              </a:buClr>
+              <a:buSzPts val="2670"/>
+              <a:buFont typeface="Arial"/>
+              <a:buChar char="•"/>
+            </a:pPr>
+            <a:r>
+              <a:rPr lang="tr-TR" dirty="0">
+                <a:solidFill>
+                  <a:schemeClr val="dk1"/>
+                </a:solidFill>
+                <a:effectLst>
+                  <a:outerShdw blurRad="38100" dist="38100" dir="2700000" algn="tl">
+                    <a:srgbClr val="000000">
+                      <a:alpha val="43137"/>
+                    </a:srgbClr>
+                  </a:outerShdw>
+                </a:effectLst>
+                <a:ea typeface="Calibri"/>
+                <a:cs typeface="Calibri"/>
+                <a:sym typeface="Calibri"/>
+              </a:rPr>
+              <a:t>Maximum </a:t>
+            </a:r>
+            <a:r>
+              <a:rPr lang="tr-TR" dirty="0" err="1">
+                <a:solidFill>
+                  <a:schemeClr val="dk1"/>
+                </a:solidFill>
+                <a:effectLst>
+                  <a:outerShdw blurRad="38100" dist="38100" dir="2700000" algn="tl">
+                    <a:srgbClr val="000000">
+                      <a:alpha val="43137"/>
+                    </a:srgbClr>
+                  </a:outerShdw>
+                </a:effectLst>
+                <a:ea typeface="Calibri"/>
+                <a:cs typeface="Calibri"/>
+                <a:sym typeface="Calibri"/>
+              </a:rPr>
+              <a:t>budget</a:t>
+            </a:r>
+            <a:r>
+              <a:rPr lang="tr-TR" dirty="0">
+                <a:solidFill>
+                  <a:schemeClr val="dk1"/>
+                </a:solidFill>
+                <a:effectLst>
+                  <a:outerShdw blurRad="38100" dist="38100" dir="2700000" algn="tl">
+                    <a:srgbClr val="000000">
+                      <a:alpha val="43137"/>
+                    </a:srgbClr>
+                  </a:outerShdw>
+                </a:effectLst>
+                <a:ea typeface="Calibri"/>
+                <a:cs typeface="Calibri"/>
+                <a:sym typeface="Calibri"/>
+              </a:rPr>
+              <a:t> of $200</a:t>
+            </a:r>
+          </a:p>
+          <a:p>
+            <a:pPr marL="457200" lvl="0" indent="-457200">
+              <a:lnSpc>
+                <a:spcPct val="150000"/>
+              </a:lnSpc>
+              <a:spcBef>
+                <a:spcPts val="0"/>
+              </a:spcBef>
+              <a:buClr>
+                <a:schemeClr val="dk1"/>
+              </a:buClr>
+              <a:buSzPts val="2670"/>
+              <a:buFont typeface="Arial"/>
+              <a:buChar char="•"/>
+            </a:pPr>
+            <a:endParaRPr lang="tr-TR" dirty="0">
+              <a:solidFill>
+                <a:schemeClr val="dk1"/>
+              </a:solidFill>
+              <a:effectLst>
+                <a:outerShdw blurRad="38100" dist="38100" dir="2700000" algn="tl">
+                  <a:srgbClr val="000000">
+                    <a:alpha val="43137"/>
+                  </a:srgbClr>
+                </a:outerShdw>
+              </a:effectLst>
+              <a:ea typeface="Calibri"/>
+              <a:cs typeface="Calibri"/>
+              <a:sym typeface="Calibri"/>
+            </a:endParaRPr>
+          </a:p>
+          <a:p>
+            <a:endParaRPr lang="tr-TR" dirty="0"/>
+          </a:p>
+        </p:txBody>
+      </p:sp>
+    </p:spTree>
+    <p:extLst>
+      <p:ext uri="{BB962C8B-B14F-4D97-AF65-F5344CB8AC3E}">
+        <p14:creationId xmlns:p14="http://schemas.microsoft.com/office/powerpoint/2010/main" val="1590730584"/>
+      </p:ext>
+    </p:extLst>
+  </p:cSld>
+  <p:clrMapOvr>
+    <a:masterClrMapping/>
+  </p:clrMapOvr>
+  <p:timing>
+    <p:tnLst>
+      <p:par>
+        <p:cTn id="1" dur="indefinite" restart="never" nodeType="tmRoot">
+          <p:childTnLst>
+            <p:seq concurrent="1" nextAc="seek">
+              <p:cTn id="2" dur="indefinite" nodeType="mainSeq">
+                <p:childTnLst>
+                  <p:par>
+                    <p:cTn id="3" fill="hold">
+                      <p:stCondLst>
+                        <p:cond delay="indefinite"/>
+                      </p:stCondLst>
+                      <p:childTnLst>
+                        <p:par>
+                          <p:cTn id="4" fill="hold">
+                            <p:stCondLst>
+                              <p:cond delay="0"/>
+                            </p:stCondLst>
+                            <p:childTnLst>
+                              <p:par>
+                                <p:cTn id="5" presetID="22" presetClass="entr" presetSubtype="4" fill="hold" nodeType="clickEffect">
+                                  <p:stCondLst>
+                                    <p:cond delay="0"/>
+                                  </p:stCondLst>
+                                  <p:childTnLst>
+                                    <p:set>
+                                      <p:cBhvr>
+                                        <p:cTn id="6" dur="1" fill="hold">
+                                          <p:stCondLst>
+                                            <p:cond delay="0"/>
+                                          </p:stCondLst>
+                                        </p:cTn>
+                                        <p:tgtEl>
+                                          <p:spTgt spid="3">
+                                            <p:txEl>
+                                              <p:pRg st="0" end="0"/>
+                                            </p:txEl>
+                                          </p:spTgt>
+                                        </p:tgtEl>
+                                        <p:attrNameLst>
+                                          <p:attrName>style.visibility</p:attrName>
+                                        </p:attrNameLst>
+                                      </p:cBhvr>
+                                      <p:to>
+                                        <p:strVal val="visible"/>
+                                      </p:to>
+                                    </p:set>
+                                    <p:animEffect transition="in" filter="wipe(down)">
+                                      <p:cBhvr>
+                                        <p:cTn id="7" dur="500"/>
+                                        <p:tgtEl>
+                                          <p:spTgt spid="3">
+                                            <p:txEl>
+                                              <p:pRg st="0" end="0"/>
+                                            </p:txEl>
+                                          </p:spTgt>
+                                        </p:tgtEl>
+                                      </p:cBhvr>
+                                    </p:animEffect>
+                                  </p:childTnLst>
+                                </p:cTn>
+                              </p:par>
+                              <p:par>
+                                <p:cTn id="8" presetID="22" presetClass="entr" presetSubtype="4" fill="hold" nodeType="withEffect">
+                                  <p:stCondLst>
+                                    <p:cond delay="0"/>
+                                  </p:stCondLst>
+                                  <p:childTnLst>
+                                    <p:set>
+                                      <p:cBhvr>
+                                        <p:cTn id="9" dur="1" fill="hold">
+                                          <p:stCondLst>
+                                            <p:cond delay="0"/>
+                                          </p:stCondLst>
+                                        </p:cTn>
+                                        <p:tgtEl>
+                                          <p:spTgt spid="3">
+                                            <p:txEl>
+                                              <p:pRg st="1" end="1"/>
+                                            </p:txEl>
+                                          </p:spTgt>
+                                        </p:tgtEl>
+                                        <p:attrNameLst>
+                                          <p:attrName>style.visibility</p:attrName>
+                                        </p:attrNameLst>
+                                      </p:cBhvr>
+                                      <p:to>
+                                        <p:strVal val="visible"/>
+                                      </p:to>
+                                    </p:set>
+                                    <p:animEffect transition="in" filter="wipe(down)">
+                                      <p:cBhvr>
+                                        <p:cTn id="10" dur="500"/>
+                                        <p:tgtEl>
+                                          <p:spTgt spid="3">
+                                            <p:txEl>
+                                              <p:pRg st="1" end="1"/>
+                                            </p:txEl>
+                                          </p:spTgt>
+                                        </p:tgtEl>
+                                      </p:cBhvr>
+                                    </p:animEffect>
+                                  </p:childTnLst>
+                                </p:cTn>
+                              </p:par>
+                            </p:childTnLst>
+                          </p:cTn>
+                        </p:par>
+                      </p:childTnLst>
+                    </p:cTn>
+                  </p:par>
+                  <p:par>
+                    <p:cTn id="11" fill="hold">
+                      <p:stCondLst>
+                        <p:cond delay="indefinite"/>
+                      </p:stCondLst>
+                      <p:childTnLst>
+                        <p:par>
+                          <p:cTn id="12" fill="hold">
+                            <p:stCondLst>
+                              <p:cond delay="0"/>
+                            </p:stCondLst>
+                            <p:childTnLst>
+                              <p:par>
+                                <p:cTn id="13" presetID="22" presetClass="entr" presetSubtype="4" fill="hold" nodeType="clickEffect">
+                                  <p:stCondLst>
+                                    <p:cond delay="0"/>
+                                  </p:stCondLst>
+                                  <p:childTnLst>
+                                    <p:set>
+                                      <p:cBhvr>
+                                        <p:cTn id="14" dur="1" fill="hold">
+                                          <p:stCondLst>
+                                            <p:cond delay="0"/>
+                                          </p:stCondLst>
+                                        </p:cTn>
+                                        <p:tgtEl>
+                                          <p:spTgt spid="3">
+                                            <p:txEl>
+                                              <p:pRg st="2" end="2"/>
+                                            </p:txEl>
+                                          </p:spTgt>
+                                        </p:tgtEl>
+                                        <p:attrNameLst>
+                                          <p:attrName>style.visibility</p:attrName>
+                                        </p:attrNameLst>
+                                      </p:cBhvr>
+                                      <p:to>
+                                        <p:strVal val="visible"/>
+                                      </p:to>
+                                    </p:set>
+                                    <p:animEffect transition="in" filter="wipe(down)">
+                                      <p:cBhvr>
+                                        <p:cTn id="15" dur="500"/>
+                                        <p:tgtEl>
+                                          <p:spTgt spid="3">
+                                            <p:txEl>
+                                              <p:pRg st="2" end="2"/>
+                                            </p:txEl>
+                                          </p:spTgt>
+                                        </p:tgtEl>
+                                      </p:cBhvr>
+                                    </p:animEffect>
+                                  </p:childTnLst>
+                                </p:cTn>
+                              </p:par>
+                              <p:par>
+                                <p:cTn id="16" presetID="22" presetClass="entr" presetSubtype="4" fill="hold" nodeType="withEffect">
+                                  <p:stCondLst>
+                                    <p:cond delay="0"/>
+                                  </p:stCondLst>
+                                  <p:childTnLst>
+                                    <p:set>
+                                      <p:cBhvr>
+                                        <p:cTn id="17" dur="1" fill="hold">
+                                          <p:stCondLst>
+                                            <p:cond delay="0"/>
+                                          </p:stCondLst>
+                                        </p:cTn>
+                                        <p:tgtEl>
+                                          <p:spTgt spid="3">
+                                            <p:txEl>
+                                              <p:pRg st="3" end="3"/>
+                                            </p:txEl>
+                                          </p:spTgt>
+                                        </p:tgtEl>
+                                        <p:attrNameLst>
+                                          <p:attrName>style.visibility</p:attrName>
+                                        </p:attrNameLst>
+                                      </p:cBhvr>
+                                      <p:to>
+                                        <p:strVal val="visible"/>
+                                      </p:to>
+                                    </p:set>
+                                    <p:animEffect transition="in" filter="wipe(down)">
+                                      <p:cBhvr>
+                                        <p:cTn id="18" dur="500"/>
+                                        <p:tgtEl>
+                                          <p:spTgt spid="3">
+                                            <p:txEl>
+                                              <p:pRg st="3" end="3"/>
+                                            </p:txEl>
+                                          </p:spTgt>
+                                        </p:tgtEl>
+                                      </p:cBhvr>
+                                    </p:animEffect>
+                                  </p:childTnLst>
+                                </p:cTn>
+                              </p:par>
+                            </p:childTnLst>
+                          </p:cTn>
+                        </p:par>
+                      </p:childTnLst>
+                    </p:cTn>
+                  </p:par>
+                  <p:par>
+                    <p:cTn id="19" fill="hold">
+                      <p:stCondLst>
+                        <p:cond delay="indefinite"/>
+                      </p:stCondLst>
+                      <p:childTnLst>
+                        <p:par>
+                          <p:cTn id="20" fill="hold">
+                            <p:stCondLst>
+                              <p:cond delay="0"/>
+                            </p:stCondLst>
+                            <p:childTnLst>
+                              <p:par>
+                                <p:cTn id="21" presetID="22" presetClass="entr" presetSubtype="4" fill="hold" nodeType="clickEffect">
+                                  <p:stCondLst>
+                                    <p:cond delay="0"/>
+                                  </p:stCondLst>
+                                  <p:childTnLst>
+                                    <p:set>
+                                      <p:cBhvr>
+                                        <p:cTn id="22" dur="1" fill="hold">
+                                          <p:stCondLst>
+                                            <p:cond delay="0"/>
+                                          </p:stCondLst>
+                                        </p:cTn>
+                                        <p:tgtEl>
+                                          <p:spTgt spid="3">
+                                            <p:txEl>
+                                              <p:pRg st="4" end="4"/>
+                                            </p:txEl>
+                                          </p:spTgt>
+                                        </p:tgtEl>
+                                        <p:attrNameLst>
+                                          <p:attrName>style.visibility</p:attrName>
+                                        </p:attrNameLst>
+                                      </p:cBhvr>
+                                      <p:to>
+                                        <p:strVal val="visible"/>
+                                      </p:to>
+                                    </p:set>
+                                    <p:animEffect transition="in" filter="wipe(down)">
+                                      <p:cBhvr>
+                                        <p:cTn id="23" dur="500"/>
+                                        <p:tgtEl>
+                                          <p:spTgt spid="3">
+                                            <p:txEl>
+                                              <p:pRg st="4" end="4"/>
+                                            </p:txEl>
+                                          </p:spTgt>
+                                        </p:tgtEl>
+                                      </p:cBhvr>
+                                    </p:animEffect>
+                                  </p:childTnLst>
+                                </p:cTn>
+                              </p:par>
+                            </p:childTnLst>
+                          </p:cTn>
+                        </p:par>
+                      </p:childTnLst>
+                    </p:cTn>
+                  </p:par>
+                  <p:par>
+                    <p:cTn id="24" fill="hold">
+                      <p:stCondLst>
+                        <p:cond delay="indefinite"/>
+                      </p:stCondLst>
+                      <p:childTnLst>
+                        <p:par>
+                          <p:cTn id="25" fill="hold">
+                            <p:stCondLst>
+                              <p:cond delay="0"/>
+                            </p:stCondLst>
+                            <p:childTnLst>
+                              <p:par>
+                                <p:cTn id="26" presetID="22" presetClass="entr" presetSubtype="4" fill="hold" nodeType="clickEffect">
+                                  <p:stCondLst>
+                                    <p:cond delay="0"/>
+                                  </p:stCondLst>
+                                  <p:childTnLst>
+                                    <p:set>
+                                      <p:cBhvr>
+                                        <p:cTn id="27" dur="1" fill="hold">
+                                          <p:stCondLst>
+                                            <p:cond delay="0"/>
+                                          </p:stCondLst>
+                                        </p:cTn>
+                                        <p:tgtEl>
+                                          <p:spTgt spid="3">
+                                            <p:txEl>
+                                              <p:pRg st="5" end="5"/>
+                                            </p:txEl>
+                                          </p:spTgt>
+                                        </p:tgtEl>
+                                        <p:attrNameLst>
+                                          <p:attrName>style.visibility</p:attrName>
+                                        </p:attrNameLst>
+                                      </p:cBhvr>
+                                      <p:to>
+                                        <p:strVal val="visible"/>
+                                      </p:to>
+                                    </p:set>
+                                    <p:animEffect transition="in" filter="wipe(down)">
+                                      <p:cBhvr>
+                                        <p:cTn id="28" dur="500"/>
+                                        <p:tgtEl>
+                                          <p:spTgt spid="3">
+                                            <p:txEl>
+                                              <p:pRg st="5" end="5"/>
+                                            </p:txEl>
+                                          </p:spTgt>
+                                        </p:tgtEl>
+                                      </p:cBhvr>
+                                    </p:animEffect>
+                                  </p:childTnLst>
+                                </p:cTn>
+                              </p:par>
+                            </p:childTnLst>
+                          </p:cTn>
+                        </p:par>
+                      </p:childTnLst>
+                    </p:cTn>
+                  </p:par>
+                </p:childTnLst>
+              </p:cTn>
+              <p:prevCondLst>
+                <p:cond evt="onPrev" delay="0">
+                  <p:tgtEl>
+                    <p:sldTgt/>
+                  </p:tgtEl>
+                </p:cond>
+              </p:prevCondLst>
+              <p:nextCondLst>
+                <p:cond evt="onNext" delay="0">
+                  <p:tgtEl>
+                    <p:sldTgt/>
+                  </p:tgtEl>
+                </p:cond>
+              </p:nextCondLst>
+            </p:seq>
+          </p:childTnLst>
+        </p:cTn>
+      </p:par>
+    </p:tnLst>
+  </p:timing>
 </p:sld>
 </file>
 

--- a/Troy Tech - Presentation/TROY- Hasan OZKARA_yeni.pptx
+++ b/Troy Tech - Presentation/TROY- Hasan OZKARA_yeni.pptx
@@ -8588,7 +8588,31 @@
                 <a:cs typeface="Calibri"/>
                 <a:sym typeface="Calibri"/>
               </a:rPr>
-              <a:t>CONCEPTIAL DESIGN </a:t>
+              <a:t>CONCEPT</a:t>
+            </a:r>
+            <a:r>
+              <a:rPr lang="en-US" sz="6000" b="1">
+                <a:ea typeface="Calibri"/>
+                <a:cs typeface="Calibri"/>
+                <a:sym typeface="Calibri"/>
+              </a:rPr>
+              <a:t>U</a:t>
+            </a:r>
+            <a:r>
+              <a:rPr lang="tr-TR" sz="6000" b="1">
+                <a:ea typeface="Calibri"/>
+                <a:cs typeface="Calibri"/>
+                <a:sym typeface="Calibri"/>
+              </a:rPr>
+              <a:t>AL </a:t>
+            </a:r>
+            <a:r>
+              <a:rPr lang="tr-TR" sz="6000" b="1" dirty="0">
+                <a:ea typeface="Calibri"/>
+                <a:cs typeface="Calibri"/>
+                <a:sym typeface="Calibri"/>
+              </a:rPr>
+              <a:t>DESIGN </a:t>
             </a:r>
             <a:br>
               <a:rPr lang="tr-TR" sz="6000" b="1" dirty="0">
